--- a/slides/Apache Spark Bootcamp.pptx
+++ b/slides/Apache Spark Bootcamp.pptx
@@ -5,7 +5,7 @@
     <p:sldMasterId id="2147483689" r:id="rId1"/>
   </p:sldMasterIdLst>
   <p:notesMasterIdLst>
-    <p:notesMasterId r:id="rId14"/>
+    <p:notesMasterId r:id="rId16"/>
   </p:notesMasterIdLst>
   <p:sldIdLst>
     <p:sldId id="256" r:id="rId2"/>
@@ -18,8 +18,10 @@
     <p:sldId id="262" r:id="rId9"/>
     <p:sldId id="265" r:id="rId10"/>
     <p:sldId id="266" r:id="rId11"/>
-    <p:sldId id="260" r:id="rId12"/>
-    <p:sldId id="267" r:id="rId13"/>
+    <p:sldId id="269" r:id="rId12"/>
+    <p:sldId id="260" r:id="rId13"/>
+    <p:sldId id="267" r:id="rId14"/>
+    <p:sldId id="268" r:id="rId15"/>
   </p:sldIdLst>
   <p:sldSz cx="12192000" cy="6858000"/>
   <p:notesSz cx="6858000" cy="9144000"/>
@@ -208,7 +210,7 @@
           <a:p>
             <a:fld id="{AA139F5D-FCEB-4534-99AC-8CD0F9E0A06F}" type="datetimeFigureOut">
               <a:rPr lang="en-US" smtClean="0"/>
-              <a:t>2/8/2018</a:t>
+              <a:t>2/9/2018</a:t>
             </a:fld>
             <a:endParaRPr lang="en-US"/>
           </a:p>
@@ -672,7 +674,7 @@
           <a:p>
             <a:fld id="{E633BF23-5A0D-4140-8F65-2D6DFEB09403}" type="datetimeFigureOut">
               <a:rPr lang="en-US" smtClean="0"/>
-              <a:t>2/8/2018</a:t>
+              <a:t>2/9/2018</a:t>
             </a:fld>
             <a:endParaRPr lang="en-US"/>
           </a:p>
@@ -893,7 +895,7 @@
           <a:p>
             <a:fld id="{E633BF23-5A0D-4140-8F65-2D6DFEB09403}" type="datetimeFigureOut">
               <a:rPr lang="en-US" smtClean="0"/>
-              <a:t>2/8/2018</a:t>
+              <a:t>2/9/2018</a:t>
             </a:fld>
             <a:endParaRPr lang="en-US"/>
           </a:p>
@@ -1073,7 +1075,7 @@
           <a:p>
             <a:fld id="{E633BF23-5A0D-4140-8F65-2D6DFEB09403}" type="datetimeFigureOut">
               <a:rPr lang="en-US" smtClean="0"/>
-              <a:t>2/8/2018</a:t>
+              <a:t>2/9/2018</a:t>
             </a:fld>
             <a:endParaRPr lang="en-US"/>
           </a:p>
@@ -1243,7 +1245,7 @@
           <a:p>
             <a:fld id="{E633BF23-5A0D-4140-8F65-2D6DFEB09403}" type="datetimeFigureOut">
               <a:rPr lang="en-US" smtClean="0"/>
-              <a:t>2/8/2018</a:t>
+              <a:t>2/9/2018</a:t>
             </a:fld>
             <a:endParaRPr lang="en-US"/>
           </a:p>
@@ -1494,7 +1496,7 @@
           <a:p>
             <a:fld id="{E633BF23-5A0D-4140-8F65-2D6DFEB09403}" type="datetimeFigureOut">
               <a:rPr lang="en-US" smtClean="0"/>
-              <a:t>2/8/2018</a:t>
+              <a:t>2/9/2018</a:t>
             </a:fld>
             <a:endParaRPr lang="en-US"/>
           </a:p>
@@ -1817,7 +1819,7 @@
           <a:p>
             <a:fld id="{E633BF23-5A0D-4140-8F65-2D6DFEB09403}" type="datetimeFigureOut">
               <a:rPr lang="en-US" smtClean="0"/>
-              <a:t>2/8/2018</a:t>
+              <a:t>2/9/2018</a:t>
             </a:fld>
             <a:endParaRPr lang="en-US"/>
           </a:p>
@@ -2241,7 +2243,7 @@
           <a:p>
             <a:fld id="{E633BF23-5A0D-4140-8F65-2D6DFEB09403}" type="datetimeFigureOut">
               <a:rPr lang="en-US" smtClean="0"/>
-              <a:t>2/8/2018</a:t>
+              <a:t>2/9/2018</a:t>
             </a:fld>
             <a:endParaRPr lang="en-US"/>
           </a:p>
@@ -2359,7 +2361,7 @@
           <a:p>
             <a:fld id="{E633BF23-5A0D-4140-8F65-2D6DFEB09403}" type="datetimeFigureOut">
               <a:rPr lang="en-US" smtClean="0"/>
-              <a:t>2/8/2018</a:t>
+              <a:t>2/9/2018</a:t>
             </a:fld>
             <a:endParaRPr lang="en-US"/>
           </a:p>
@@ -2454,7 +2456,7 @@
           <a:p>
             <a:fld id="{E633BF23-5A0D-4140-8F65-2D6DFEB09403}" type="datetimeFigureOut">
               <a:rPr lang="en-US" smtClean="0"/>
-              <a:t>2/8/2018</a:t>
+              <a:t>2/9/2018</a:t>
             </a:fld>
             <a:endParaRPr lang="en-US"/>
           </a:p>
@@ -2744,7 +2746,7 @@
           <a:p>
             <a:fld id="{E633BF23-5A0D-4140-8F65-2D6DFEB09403}" type="datetimeFigureOut">
               <a:rPr lang="en-US" smtClean="0"/>
-              <a:t>2/8/2018</a:t>
+              <a:t>2/9/2018</a:t>
             </a:fld>
             <a:endParaRPr lang="en-US"/>
           </a:p>
@@ -3016,7 +3018,7 @@
           <a:p>
             <a:fld id="{E633BF23-5A0D-4140-8F65-2D6DFEB09403}" type="datetimeFigureOut">
               <a:rPr lang="en-US" smtClean="0"/>
-              <a:t>2/8/2018</a:t>
+              <a:t>2/9/2018</a:t>
             </a:fld>
             <a:endParaRPr lang="en-US"/>
           </a:p>
@@ -3270,7 +3272,7 @@
           <a:p>
             <a:fld id="{E633BF23-5A0D-4140-8F65-2D6DFEB09403}" type="datetimeFigureOut">
               <a:rPr lang="en-US" smtClean="0"/>
-              <a:t>2/8/2018</a:t>
+              <a:t>2/9/2018</a:t>
             </a:fld>
             <a:endParaRPr lang="en-US"/>
           </a:p>
@@ -3997,6 +3999,82 @@
           <a:lstStyle/>
           <a:p>
             <a:r>
+              <a:rPr lang="nl-NL" dirty="0" smtClean="0"/>
+              <a:t>Example Cluster Setup</a:t>
+            </a:r>
+            <a:endParaRPr lang="nl-NL" dirty="0"/>
+          </a:p>
+        </p:txBody>
+      </p:sp>
+      <p:sp>
+        <p:nvSpPr>
+          <p:cNvPr id="3" name="Content Placeholder 2"/>
+          <p:cNvSpPr>
+            <a:spLocks noGrp="1"/>
+          </p:cNvSpPr>
+          <p:nvPr>
+            <p:ph idx="1"/>
+          </p:nvPr>
+        </p:nvSpPr>
+        <p:spPr/>
+        <p:txBody>
+          <a:bodyPr/>
+          <a:lstStyle/>
+          <a:p>
+            <a:r>
+              <a:rPr lang="nl-NL" dirty="0" smtClean="0"/>
+              <a:t>TODO</a:t>
+            </a:r>
+            <a:endParaRPr lang="nl-NL" dirty="0"/>
+          </a:p>
+        </p:txBody>
+      </p:sp>
+    </p:spTree>
+    <p:extLst>
+      <p:ext uri="{BB962C8B-B14F-4D97-AF65-F5344CB8AC3E}">
+        <p14:creationId xmlns:p14="http://schemas.microsoft.com/office/powerpoint/2010/main" val="3143597932"/>
+      </p:ext>
+    </p:extLst>
+  </p:cSld>
+  <p:clrMapOvr>
+    <a:masterClrMapping/>
+  </p:clrMapOvr>
+</p:sld>
+</file>
+
+<file path=ppt/slides/slide12.xml><?xml version="1.0" encoding="utf-8"?>
+<p:sld xmlns:a="http://schemas.openxmlformats.org/drawingml/2006/main" xmlns:r="http://schemas.openxmlformats.org/officeDocument/2006/relationships" xmlns:p="http://schemas.openxmlformats.org/presentationml/2006/main">
+  <p:cSld>
+    <p:spTree>
+      <p:nvGrpSpPr>
+        <p:cNvPr id="1" name=""/>
+        <p:cNvGrpSpPr/>
+        <p:nvPr/>
+      </p:nvGrpSpPr>
+      <p:grpSpPr>
+        <a:xfrm>
+          <a:off x="0" y="0"/>
+          <a:ext cx="0" cy="0"/>
+          <a:chOff x="0" y="0"/>
+          <a:chExt cx="0" cy="0"/>
+        </a:xfrm>
+      </p:grpSpPr>
+      <p:sp>
+        <p:nvSpPr>
+          <p:cNvPr id="2" name="Title 1"/>
+          <p:cNvSpPr>
+            <a:spLocks noGrp="1"/>
+          </p:cNvSpPr>
+          <p:nvPr>
+            <p:ph type="title"/>
+          </p:nvPr>
+        </p:nvSpPr>
+        <p:spPr/>
+        <p:txBody>
+          <a:bodyPr/>
+          <a:lstStyle/>
+          <a:p>
+            <a:r>
               <a:rPr lang="en-US" dirty="0" smtClean="0"/>
               <a:t>Tips</a:t>
             </a:r>
@@ -4058,11 +4136,7 @@
             <a:pPr lvl="1"/>
             <a:r>
               <a:rPr lang="en-US" dirty="0" smtClean="0"/>
-              <a:t>Use RDDs only if you need low-level </a:t>
-            </a:r>
-            <a:r>
-              <a:rPr lang="en-US" dirty="0" smtClean="0"/>
-              <a:t>transformations / control</a:t>
+              <a:t>Use RDDs only if you need low-level transformations / control</a:t>
             </a:r>
             <a:endParaRPr lang="en-US" dirty="0"/>
           </a:p>
@@ -4076,26 +4150,26 @@
             <a:pPr lvl="1"/>
             <a:r>
               <a:rPr lang="en-US" dirty="0" smtClean="0"/>
-              <a:t>Running on port </a:t>
-            </a:r>
-            <a:r>
-              <a:rPr lang="en-US" dirty="0" smtClean="0"/>
-              <a:t>4040</a:t>
+              <a:t>Running on port 4040</a:t>
             </a:r>
             <a:endParaRPr lang="en-GB" dirty="0"/>
           </a:p>
           <a:p>
             <a:r>
-              <a:rPr lang="en-GB" dirty="0" smtClean="0"/>
+              <a:rPr lang="en-GB" u="sng" dirty="0" smtClean="0"/>
               <a:t>Do </a:t>
             </a:r>
             <a:r>
-              <a:rPr lang="en-GB" b="1" dirty="0" smtClean="0"/>
+              <a:rPr lang="en-GB" b="1" u="sng" dirty="0" smtClean="0"/>
               <a:t>NOT</a:t>
             </a:r>
             <a:r>
-              <a:rPr lang="en-GB" dirty="0" smtClean="0"/>
-              <a:t> use Spark 1.6 or lower, only use the latest version, be mindful of online tutorials that still use Spark 1.6 or older.</a:t>
+              <a:rPr lang="en-GB" u="sng" dirty="0" smtClean="0"/>
+              <a:t> use Spark 1.6 or lower</a:t>
+            </a:r>
+            <a:r>
+              <a:rPr lang="en-GB" dirty="0" smtClean="0"/>
+              <a:t>, only use the latest version, be mindful of online tutorials that still use Spark 1.6 or older.</a:t>
             </a:r>
           </a:p>
           <a:p>
@@ -4152,7 +4226,7 @@
 </p:sld>
 </file>
 
-<file path=ppt/slides/slide12.xml><?xml version="1.0" encoding="utf-8"?>
+<file path=ppt/slides/slide13.xml><?xml version="1.0" encoding="utf-8"?>
 <p:sld xmlns:a="http://schemas.openxmlformats.org/drawingml/2006/main" xmlns:r="http://schemas.openxmlformats.org/officeDocument/2006/relationships" xmlns:p="http://schemas.openxmlformats.org/presentationml/2006/main">
   <p:cSld>
     <p:spTree>
@@ -4322,6 +4396,114 @@
     <p:extLst>
       <p:ext uri="{BB962C8B-B14F-4D97-AF65-F5344CB8AC3E}">
         <p14:creationId xmlns:p14="http://schemas.microsoft.com/office/powerpoint/2010/main" val="708177791"/>
+      </p:ext>
+    </p:extLst>
+  </p:cSld>
+  <p:clrMapOvr>
+    <a:masterClrMapping/>
+  </p:clrMapOvr>
+</p:sld>
+</file>
+
+<file path=ppt/slides/slide14.xml><?xml version="1.0" encoding="utf-8"?>
+<p:sld xmlns:a="http://schemas.openxmlformats.org/drawingml/2006/main" xmlns:r="http://schemas.openxmlformats.org/officeDocument/2006/relationships" xmlns:p="http://schemas.openxmlformats.org/presentationml/2006/main">
+  <p:cSld>
+    <p:spTree>
+      <p:nvGrpSpPr>
+        <p:cNvPr id="1" name=""/>
+        <p:cNvGrpSpPr/>
+        <p:nvPr/>
+      </p:nvGrpSpPr>
+      <p:grpSpPr>
+        <a:xfrm>
+          <a:off x="0" y="0"/>
+          <a:ext cx="0" cy="0"/>
+          <a:chOff x="0" y="0"/>
+          <a:chExt cx="0" cy="0"/>
+        </a:xfrm>
+      </p:grpSpPr>
+      <p:sp>
+        <p:nvSpPr>
+          <p:cNvPr id="2" name="Title 1"/>
+          <p:cNvSpPr>
+            <a:spLocks noGrp="1"/>
+          </p:cNvSpPr>
+          <p:nvPr>
+            <p:ph type="title"/>
+          </p:nvPr>
+        </p:nvSpPr>
+        <p:spPr/>
+        <p:txBody>
+          <a:bodyPr/>
+          <a:lstStyle/>
+          <a:p>
+            <a:r>
+              <a:rPr lang="nl-NL" dirty="0" smtClean="0"/>
+              <a:t>Troubleshooting	</a:t>
+            </a:r>
+            <a:endParaRPr lang="nl-NL" dirty="0"/>
+          </a:p>
+        </p:txBody>
+      </p:sp>
+      <p:sp>
+        <p:nvSpPr>
+          <p:cNvPr id="3" name="Content Placeholder 2"/>
+          <p:cNvSpPr>
+            <a:spLocks noGrp="1"/>
+          </p:cNvSpPr>
+          <p:nvPr>
+            <p:ph idx="1"/>
+          </p:nvPr>
+        </p:nvSpPr>
+        <p:spPr/>
+        <p:txBody>
+          <a:bodyPr/>
+          <a:lstStyle/>
+          <a:p>
+            <a:r>
+              <a:rPr lang="nl-NL" dirty="0" smtClean="0"/>
+              <a:t>If you cannot import the project as an SBT project, you are either missing the Scala plugin, or the </a:t>
+            </a:r>
+            <a:r>
+              <a:rPr lang="nl-NL" u="sng" dirty="0" smtClean="0"/>
+              <a:t>Scala plugin </a:t>
+            </a:r>
+            <a:r>
+              <a:rPr lang="nl-NL" dirty="0" smtClean="0"/>
+              <a:t>is out of date. Make sure you also use the </a:t>
+            </a:r>
+            <a:r>
+              <a:rPr lang="nl-NL" u="sng" dirty="0" smtClean="0"/>
+              <a:t>latest version of IntelliJ</a:t>
+            </a:r>
+          </a:p>
+          <a:p>
+            <a:endParaRPr lang="nl-NL" dirty="0"/>
+          </a:p>
+          <a:p>
+            <a:r>
+              <a:rPr lang="nl-NL" dirty="0"/>
+              <a:t>In case you get a </a:t>
+            </a:r>
+            <a:r>
+              <a:rPr lang="nl-NL" b="1" dirty="0" smtClean="0"/>
+              <a:t>ClassNotFoundException</a:t>
+            </a:r>
+            <a:r>
+              <a:rPr lang="nl-NL" dirty="0" smtClean="0"/>
+              <a:t> when </a:t>
+            </a:r>
+            <a:r>
+              <a:rPr lang="nl-NL" dirty="0"/>
+              <a:t>running “SparkExampleMain”, try updating and/or restarting IntelliJ</a:t>
+            </a:r>
+          </a:p>
+        </p:txBody>
+      </p:sp>
+    </p:spTree>
+    <p:extLst>
+      <p:ext uri="{BB962C8B-B14F-4D97-AF65-F5344CB8AC3E}">
+        <p14:creationId xmlns:p14="http://schemas.microsoft.com/office/powerpoint/2010/main" val="4027043143"/>
       </p:ext>
     </p:extLst>
   </p:cSld>
@@ -4409,7 +4591,6 @@
               <a:rPr lang="en-US" dirty="0" smtClean="0"/>
               <a:t> </a:t>
             </a:r>
-            <a:endParaRPr lang="en-US" dirty="0" smtClean="0"/>
           </a:p>
           <a:p>
             <a:pPr lvl="1"/>
@@ -4479,15 +4660,7 @@
             <a:pPr lvl="1"/>
             <a:r>
               <a:rPr lang="en-US" dirty="0" smtClean="0"/>
-              <a:t>Be mindful of operations that force writing to </a:t>
-            </a:r>
-            <a:r>
-              <a:rPr lang="en-US" dirty="0" smtClean="0"/>
-              <a:t>disk </a:t>
-            </a:r>
-            <a:r>
-              <a:rPr lang="en-US" dirty="0" smtClean="0"/>
-              <a:t>e.g. shuffle</a:t>
+              <a:t>Be mindful of operations that force writing to disk e.g. shuffle</a:t>
             </a:r>
           </a:p>
           <a:p>
@@ -4717,13 +4890,8 @@
             <a:pPr lvl="1"/>
             <a:r>
               <a:rPr lang="en-US" dirty="0" smtClean="0"/>
-              <a:t>Started from </a:t>
-            </a:r>
-            <a:r>
-              <a:rPr lang="en-US" dirty="0" smtClean="0"/>
-              <a:t>(Scala/Java/Python) code</a:t>
-            </a:r>
-            <a:endParaRPr lang="en-US" dirty="0" smtClean="0"/>
+              <a:t>Started from (Scala/Java/Python) code</a:t>
+            </a:r>
           </a:p>
           <a:p>
             <a:r>
@@ -4746,26 +4914,14 @@
             <a:pPr lvl="2"/>
             <a:r>
               <a:rPr lang="en-US" dirty="0" smtClean="0"/>
-              <a:t>Your program is expected to run on </a:t>
-            </a:r>
+              <a:t>Your program is expected to run on a cluster for the final demo</a:t>
+            </a:r>
+          </a:p>
+          <a:p>
+            <a:pPr lvl="1"/>
             <a:r>
               <a:rPr lang="en-US" dirty="0" smtClean="0"/>
-              <a:t>a </a:t>
-            </a:r>
-            <a:r>
-              <a:rPr lang="en-US" dirty="0" smtClean="0"/>
-              <a:t>cluster for the final demo</a:t>
-            </a:r>
-          </a:p>
-          <a:p>
-            <a:pPr lvl="1"/>
-            <a:r>
-              <a:rPr lang="en-US" dirty="0" smtClean="0"/>
-              <a:t>Different cluster manager </a:t>
-            </a:r>
-            <a:r>
-              <a:rPr lang="en-US" dirty="0" smtClean="0"/>
-              <a:t>modes</a:t>
+              <a:t>Different cluster manager modes</a:t>
             </a:r>
             <a:r>
               <a:rPr lang="en-US" baseline="30000" dirty="0" smtClean="0"/>
@@ -4780,11 +4936,7 @@
             <a:pPr lvl="2"/>
             <a:r>
               <a:rPr lang="en-US" dirty="0" smtClean="0"/>
-              <a:t>Standalone, easiest to </a:t>
-            </a:r>
-            <a:r>
-              <a:rPr lang="en-US" dirty="0" smtClean="0"/>
-              <a:t>set-up: </a:t>
+              <a:t>Standalone, easiest to set-up: </a:t>
             </a:r>
             <a:r>
               <a:rPr lang="en-US" dirty="0">
@@ -4802,7 +4954,6 @@
               <a:rPr lang="en-US" dirty="0" smtClean="0"/>
               <a:t> </a:t>
             </a:r>
-            <a:endParaRPr lang="en-US" dirty="0" smtClean="0"/>
           </a:p>
           <a:p>
             <a:pPr lvl="2"/>
@@ -5121,11 +5272,7 @@
             <a:pPr lvl="1"/>
             <a:r>
               <a:rPr lang="en-US" dirty="0" smtClean="0"/>
-              <a:t>Scala is recommended, as it is native to </a:t>
-            </a:r>
-            <a:r>
-              <a:rPr lang="en-US" dirty="0" smtClean="0"/>
-              <a:t>Spark</a:t>
+              <a:t>Scala is recommended, as it is native to Spark</a:t>
             </a:r>
             <a:endParaRPr lang="en-GB" dirty="0"/>
           </a:p>
@@ -5159,11 +5306,7 @@
             <a:pPr lvl="1"/>
             <a:r>
               <a:rPr lang="en-GB" dirty="0" smtClean="0"/>
-              <a:t>In Spark Cluster, as many workers as yo</a:t>
-            </a:r>
-            <a:r>
-              <a:rPr lang="en-GB" dirty="0" smtClean="0"/>
-              <a:t>u have nodes to deploy them on</a:t>
+              <a:t>In Spark Cluster, as many workers as you have nodes to deploy them on</a:t>
             </a:r>
             <a:endParaRPr lang="en-US" dirty="0" smtClean="0"/>
           </a:p>
@@ -5256,7 +5399,7 @@
         <p:spPr/>
         <p:txBody>
           <a:bodyPr>
-            <a:normAutofit lnSpcReduction="10000"/>
+            <a:normAutofit fontScale="92500" lnSpcReduction="10000"/>
           </a:bodyPr>
           <a:lstStyle/>
           <a:p>
@@ -5329,6 +5472,13 @@
               <a:rPr lang="en-US" dirty="0" smtClean="0"/>
               <a:t>address</a:t>
             </a:r>
+          </a:p>
+          <a:p>
+            <a:pPr lvl="1"/>
+            <a:r>
+              <a:rPr lang="en-US" dirty="0" smtClean="0"/>
+              <a:t>Make sure to install the Scala Plugin in IntelliJ</a:t>
+            </a:r>
             <a:endParaRPr lang="en-US" dirty="0"/>
           </a:p>
           <a:p>
@@ -5371,7 +5521,6 @@
               <a:rPr lang="en-US" dirty="0" smtClean="0"/>
               <a:t> </a:t>
             </a:r>
-            <a:endParaRPr lang="en-US" dirty="0" smtClean="0"/>
           </a:p>
           <a:p>
             <a:pPr lvl="1"/>
@@ -5444,11 +5593,7 @@
             </a:r>
             <a:r>
               <a:rPr lang="en-GB" dirty="0" smtClean="0"/>
-              <a:t>/app), follow instructions in the console, and </a:t>
-            </a:r>
-            <a:r>
-              <a:rPr lang="en-GB" smtClean="0"/>
-              <a:t>explore the code</a:t>
+              <a:t>/app), follow instructions in the console, and explore the code</a:t>
             </a:r>
             <a:endParaRPr lang="en-US" u="sng" dirty="0" smtClean="0"/>
           </a:p>

--- a/slides/Apache Spark Bootcamp.pptx
+++ b/slides/Apache Spark Bootcamp.pptx
@@ -5,7 +5,7 @@
     <p:sldMasterId id="2147483689" r:id="rId1"/>
   </p:sldMasterIdLst>
   <p:notesMasterIdLst>
-    <p:notesMasterId r:id="rId16"/>
+    <p:notesMasterId r:id="rId21"/>
   </p:notesMasterIdLst>
   <p:sldIdLst>
     <p:sldId id="256" r:id="rId2"/>
@@ -15,13 +15,18 @@
     <p:sldId id="264" r:id="rId6"/>
     <p:sldId id="259" r:id="rId7"/>
     <p:sldId id="261" r:id="rId8"/>
-    <p:sldId id="262" r:id="rId9"/>
-    <p:sldId id="265" r:id="rId10"/>
-    <p:sldId id="266" r:id="rId11"/>
-    <p:sldId id="269" r:id="rId12"/>
-    <p:sldId id="260" r:id="rId13"/>
-    <p:sldId id="267" r:id="rId14"/>
-    <p:sldId id="268" r:id="rId15"/>
+    <p:sldId id="271" r:id="rId9"/>
+    <p:sldId id="262" r:id="rId10"/>
+    <p:sldId id="265" r:id="rId11"/>
+    <p:sldId id="266" r:id="rId12"/>
+    <p:sldId id="269" r:id="rId13"/>
+    <p:sldId id="270" r:id="rId14"/>
+    <p:sldId id="272" r:id="rId15"/>
+    <p:sldId id="274" r:id="rId16"/>
+    <p:sldId id="260" r:id="rId17"/>
+    <p:sldId id="267" r:id="rId18"/>
+    <p:sldId id="268" r:id="rId19"/>
+    <p:sldId id="273" r:id="rId20"/>
   </p:sldIdLst>
   <p:sldSz cx="12192000" cy="6858000"/>
   <p:notesSz cx="6858000" cy="9144000"/>
@@ -210,7 +215,7 @@
           <a:p>
             <a:fld id="{AA139F5D-FCEB-4534-99AC-8CD0F9E0A06F}" type="datetimeFigureOut">
               <a:rPr lang="en-US" smtClean="0"/>
-              <a:t>2/9/2018</a:t>
+              <a:t>2/12/2018</a:t>
             </a:fld>
             <a:endParaRPr lang="en-US"/>
           </a:p>
@@ -674,7 +679,7 @@
           <a:p>
             <a:fld id="{E633BF23-5A0D-4140-8F65-2D6DFEB09403}" type="datetimeFigureOut">
               <a:rPr lang="en-US" smtClean="0"/>
-              <a:t>2/9/2018</a:t>
+              <a:t>2/12/2018</a:t>
             </a:fld>
             <a:endParaRPr lang="en-US"/>
           </a:p>
@@ -895,7 +900,7 @@
           <a:p>
             <a:fld id="{E633BF23-5A0D-4140-8F65-2D6DFEB09403}" type="datetimeFigureOut">
               <a:rPr lang="en-US" smtClean="0"/>
-              <a:t>2/9/2018</a:t>
+              <a:t>2/12/2018</a:t>
             </a:fld>
             <a:endParaRPr lang="en-US"/>
           </a:p>
@@ -1075,7 +1080,7 @@
           <a:p>
             <a:fld id="{E633BF23-5A0D-4140-8F65-2D6DFEB09403}" type="datetimeFigureOut">
               <a:rPr lang="en-US" smtClean="0"/>
-              <a:t>2/9/2018</a:t>
+              <a:t>2/12/2018</a:t>
             </a:fld>
             <a:endParaRPr lang="en-US"/>
           </a:p>
@@ -1245,7 +1250,7 @@
           <a:p>
             <a:fld id="{E633BF23-5A0D-4140-8F65-2D6DFEB09403}" type="datetimeFigureOut">
               <a:rPr lang="en-US" smtClean="0"/>
-              <a:t>2/9/2018</a:t>
+              <a:t>2/12/2018</a:t>
             </a:fld>
             <a:endParaRPr lang="en-US"/>
           </a:p>
@@ -1496,7 +1501,7 @@
           <a:p>
             <a:fld id="{E633BF23-5A0D-4140-8F65-2D6DFEB09403}" type="datetimeFigureOut">
               <a:rPr lang="en-US" smtClean="0"/>
-              <a:t>2/9/2018</a:t>
+              <a:t>2/12/2018</a:t>
             </a:fld>
             <a:endParaRPr lang="en-US"/>
           </a:p>
@@ -1819,7 +1824,7 @@
           <a:p>
             <a:fld id="{E633BF23-5A0D-4140-8F65-2D6DFEB09403}" type="datetimeFigureOut">
               <a:rPr lang="en-US" smtClean="0"/>
-              <a:t>2/9/2018</a:t>
+              <a:t>2/12/2018</a:t>
             </a:fld>
             <a:endParaRPr lang="en-US"/>
           </a:p>
@@ -2243,7 +2248,7 @@
           <a:p>
             <a:fld id="{E633BF23-5A0D-4140-8F65-2D6DFEB09403}" type="datetimeFigureOut">
               <a:rPr lang="en-US" smtClean="0"/>
-              <a:t>2/9/2018</a:t>
+              <a:t>2/12/2018</a:t>
             </a:fld>
             <a:endParaRPr lang="en-US"/>
           </a:p>
@@ -2361,7 +2366,7 @@
           <a:p>
             <a:fld id="{E633BF23-5A0D-4140-8F65-2D6DFEB09403}" type="datetimeFigureOut">
               <a:rPr lang="en-US" smtClean="0"/>
-              <a:t>2/9/2018</a:t>
+              <a:t>2/12/2018</a:t>
             </a:fld>
             <a:endParaRPr lang="en-US"/>
           </a:p>
@@ -2456,7 +2461,7 @@
           <a:p>
             <a:fld id="{E633BF23-5A0D-4140-8F65-2D6DFEB09403}" type="datetimeFigureOut">
               <a:rPr lang="en-US" smtClean="0"/>
-              <a:t>2/9/2018</a:t>
+              <a:t>2/12/2018</a:t>
             </a:fld>
             <a:endParaRPr lang="en-US"/>
           </a:p>
@@ -2746,7 +2751,7 @@
           <a:p>
             <a:fld id="{E633BF23-5A0D-4140-8F65-2D6DFEB09403}" type="datetimeFigureOut">
               <a:rPr lang="en-US" smtClean="0"/>
-              <a:t>2/9/2018</a:t>
+              <a:t>2/12/2018</a:t>
             </a:fld>
             <a:endParaRPr lang="en-US"/>
           </a:p>
@@ -3018,7 +3023,7 @@
           <a:p>
             <a:fld id="{E633BF23-5A0D-4140-8F65-2D6DFEB09403}" type="datetimeFigureOut">
               <a:rPr lang="en-US" smtClean="0"/>
-              <a:t>2/9/2018</a:t>
+              <a:t>2/12/2018</a:t>
             </a:fld>
             <a:endParaRPr lang="en-US"/>
           </a:p>
@@ -3272,7 +3277,7 @@
           <a:p>
             <a:fld id="{E633BF23-5A0D-4140-8F65-2D6DFEB09403}" type="datetimeFigureOut">
               <a:rPr lang="en-US" smtClean="0"/>
-              <a:t>2/9/2018</a:t>
+              <a:t>2/12/2018</a:t>
             </a:fld>
             <a:endParaRPr lang="en-US"/>
           </a:p>
@@ -3833,7 +3838,19 @@
           <a:p>
             <a:r>
               <a:rPr lang="en-GB" dirty="0" smtClean="0"/>
-              <a:t>Spark Cluster (Standalone)</a:t>
+              <a:t>Spark </a:t>
+            </a:r>
+            <a:r>
+              <a:rPr lang="en-GB" dirty="0" err="1" smtClean="0"/>
+              <a:t>Bootcamp</a:t>
+            </a:r>
+            <a:r>
+              <a:rPr lang="en-GB" dirty="0" smtClean="0"/>
+              <a:t> Project </a:t>
+            </a:r>
+            <a:r>
+              <a:rPr lang="en-GB" dirty="0" smtClean="0"/>
+              <a:t>III</a:t>
             </a:r>
             <a:endParaRPr lang="en-US" dirty="0"/>
           </a:p>
@@ -3856,22 +3873,63 @@
           <a:p>
             <a:r>
               <a:rPr lang="en-GB" dirty="0" smtClean="0"/>
-              <a:t>Standalone cluster requires 1 master, and as many slaves as you need / have nodes</a:t>
-            </a:r>
-          </a:p>
-          <a:p>
-            <a:pPr lvl="1"/>
+              <a:t>Algorithms </a:t>
+            </a:r>
+            <a:r>
+              <a:rPr lang="en-GB" dirty="0" smtClean="0"/>
+              <a:t>you </a:t>
+            </a:r>
+            <a:r>
+              <a:rPr lang="en-GB" dirty="0" smtClean="0"/>
+              <a:t>run on </a:t>
+            </a:r>
+            <a:r>
+              <a:rPr lang="en-GB" dirty="0" smtClean="0"/>
+              <a:t>Spark Local will also work on Spark Cluster</a:t>
+            </a:r>
+          </a:p>
+          <a:p>
+            <a:pPr lvl="1"/>
+            <a:r>
+              <a:rPr lang="en-GB" dirty="0" smtClean="0"/>
+              <a:t>Note: think about how to access your data, for example when deploying to a remote cluster, all workers need to be able to access the data. This means using a distributed file storage (DFS) or (no)SQL database.</a:t>
+            </a:r>
+            <a:endParaRPr lang="en-GB" dirty="0"/>
+          </a:p>
+          <a:p>
+            <a:r>
+              <a:rPr lang="en-GB" dirty="0" smtClean="0"/>
+              <a:t>There are many ways you can connect your Spark application to a database / data source. The project shows one: reading from CSV.</a:t>
+            </a:r>
+          </a:p>
+          <a:p>
+            <a:pPr lvl="1"/>
+            <a:r>
+              <a:rPr lang="en-GB" dirty="0" smtClean="0"/>
+              <a:t>Built-in HDFS connector</a:t>
+            </a:r>
+          </a:p>
+          <a:p>
+            <a:pPr lvl="1"/>
+            <a:r>
+              <a:rPr lang="en-GB" dirty="0" smtClean="0"/>
+              <a:t>Cassandra </a:t>
+            </a:r>
+            <a:r>
+              <a:rPr lang="en-GB" dirty="0"/>
+              <a:t>connector: </a:t>
+            </a:r>
             <a:r>
               <a:rPr lang="en-GB" dirty="0">
                 <a:hlinkClick r:id="rId2"/>
               </a:rPr>
-              <a:t>http://</a:t>
+              <a:t>https://</a:t>
             </a:r>
             <a:r>
               <a:rPr lang="en-GB" dirty="0" smtClean="0">
                 <a:hlinkClick r:id="rId2"/>
               </a:rPr>
-              <a:t>spark.apache.org/docs/latest/spark-standalone.html</a:t>
+              <a:t>github.com/datastax/spark-cassandra-connector</a:t>
             </a:r>
             <a:r>
               <a:rPr lang="en-GB" dirty="0" smtClean="0"/>
@@ -3879,84 +3937,49 @@
             </a:r>
           </a:p>
           <a:p>
-            <a:endParaRPr lang="en-GB" dirty="0"/>
-          </a:p>
-          <a:p>
-            <a:r>
-              <a:rPr lang="en-GB" dirty="0" smtClean="0"/>
-              <a:t>Launching applications on your cluster:</a:t>
-            </a:r>
-            <a:r>
-              <a:rPr lang="en-US" dirty="0"/>
-              <a:t> </a:t>
-            </a:r>
-            <a:r>
-              <a:rPr lang="en-US" dirty="0">
+            <a:pPr lvl="1"/>
+            <a:r>
+              <a:rPr lang="en-GB" dirty="0" smtClean="0"/>
+              <a:t>Built-in JDBC connector</a:t>
+            </a:r>
+          </a:p>
+          <a:p>
+            <a:pPr lvl="1"/>
+            <a:r>
+              <a:rPr lang="en-GB" dirty="0"/>
+              <a:t>MongoDB connector: </a:t>
+            </a:r>
+            <a:r>
+              <a:rPr lang="en-GB" dirty="0">
                 <a:hlinkClick r:id="rId3"/>
               </a:rPr>
-              <a:t>http://</a:t>
-            </a:r>
-            <a:r>
-              <a:rPr lang="en-US" dirty="0" smtClean="0">
+              <a:t>https://</a:t>
+            </a:r>
+            <a:r>
+              <a:rPr lang="en-GB" dirty="0" smtClean="0">
                 <a:hlinkClick r:id="rId3"/>
               </a:rPr>
-              <a:t>spark.apache.org/docs/latest/submitting-applications.html</a:t>
-            </a:r>
-            <a:r>
-              <a:rPr lang="en-US" dirty="0" smtClean="0"/>
+              <a:t>github.com/mongodb/mongo-spark</a:t>
+            </a:r>
+            <a:r>
+              <a:rPr lang="en-GB" dirty="0" smtClean="0"/>
               <a:t> </a:t>
             </a:r>
           </a:p>
           <a:p>
-            <a:endParaRPr lang="en-GB" dirty="0"/>
-          </a:p>
-          <a:p>
-            <a:r>
-              <a:rPr lang="en-GB" dirty="0" smtClean="0"/>
-              <a:t>Ideally, deploy using Docker to a cloud provider (Google Cloud, Amazon, Azure, Digital Ocean, </a:t>
-            </a:r>
-            <a:r>
-              <a:rPr lang="en-NL" dirty="0" smtClean="0"/>
-              <a:t>…</a:t>
-            </a:r>
-            <a:r>
-              <a:rPr lang="en-GB" dirty="0" smtClean="0"/>
-              <a:t>)</a:t>
-            </a:r>
-          </a:p>
-          <a:p>
-            <a:pPr lvl="1"/>
-            <a:r>
-              <a:rPr lang="en-GB" dirty="0" smtClean="0"/>
-              <a:t>Many pre-existing Docker images to deploy </a:t>
-            </a:r>
-            <a:r>
-              <a:rPr lang="en-GB" dirty="0"/>
-              <a:t>a cluster; </a:t>
-            </a:r>
-            <a:r>
-              <a:rPr lang="en-GB" dirty="0">
-                <a:hlinkClick r:id="rId4"/>
-              </a:rPr>
-              <a:t>https://hub.docker.com</a:t>
-            </a:r>
-            <a:r>
-              <a:rPr lang="en-GB" dirty="0" smtClean="0">
-                <a:hlinkClick r:id="rId4"/>
-              </a:rPr>
-              <a:t>/</a:t>
-            </a:r>
-            <a:r>
-              <a:rPr lang="en-GB" dirty="0" smtClean="0"/>
-              <a:t> </a:t>
-            </a:r>
+            <a:pPr lvl="1"/>
+            <a:r>
+              <a:rPr lang="en-GB" dirty="0" smtClean="0"/>
+              <a:t>Many more</a:t>
+            </a:r>
+            <a:endParaRPr lang="en-US" dirty="0"/>
           </a:p>
         </p:txBody>
       </p:sp>
     </p:spTree>
     <p:extLst>
       <p:ext uri="{BB962C8B-B14F-4D97-AF65-F5344CB8AC3E}">
-        <p14:creationId xmlns:p14="http://schemas.microsoft.com/office/powerpoint/2010/main" val="3999757772"/>
+        <p14:creationId xmlns:p14="http://schemas.microsoft.com/office/powerpoint/2010/main" val="3169017773"/>
       </p:ext>
     </p:extLst>
   </p:cSld>
@@ -3999,10 +4022,10 @@
           <a:lstStyle/>
           <a:p>
             <a:r>
-              <a:rPr lang="nl-NL" dirty="0" smtClean="0"/>
-              <a:t>Example Cluster Setup</a:t>
-            </a:r>
-            <a:endParaRPr lang="nl-NL" dirty="0"/>
+              <a:rPr lang="en-GB" dirty="0" smtClean="0"/>
+              <a:t>Spark Cluster (Standalone)</a:t>
+            </a:r>
+            <a:endParaRPr lang="en-US" dirty="0"/>
           </a:p>
         </p:txBody>
       </p:sp>
@@ -4022,17 +4045,118 @@
           <a:lstStyle/>
           <a:p>
             <a:r>
-              <a:rPr lang="nl-NL" dirty="0" smtClean="0"/>
-              <a:t>TODO</a:t>
-            </a:r>
-            <a:endParaRPr lang="nl-NL" dirty="0"/>
+              <a:rPr lang="en-GB" dirty="0" smtClean="0"/>
+              <a:t>Standalone cluster requires 1 master, and as many slaves as you need / have nodes</a:t>
+            </a:r>
+          </a:p>
+          <a:p>
+            <a:pPr lvl="1"/>
+            <a:r>
+              <a:rPr lang="en-GB" dirty="0">
+                <a:hlinkClick r:id="rId2"/>
+              </a:rPr>
+              <a:t>http://</a:t>
+            </a:r>
+            <a:r>
+              <a:rPr lang="en-GB" dirty="0" smtClean="0">
+                <a:hlinkClick r:id="rId2"/>
+              </a:rPr>
+              <a:t>spark.apache.org/docs/latest/spark-standalone.html</a:t>
+            </a:r>
+            <a:r>
+              <a:rPr lang="en-GB" dirty="0" smtClean="0"/>
+              <a:t> </a:t>
+            </a:r>
+          </a:p>
+          <a:p>
+            <a:endParaRPr lang="en-GB" dirty="0"/>
+          </a:p>
+          <a:p>
+            <a:r>
+              <a:rPr lang="en-GB" dirty="0" smtClean="0"/>
+              <a:t>Launching applications on your cluster:</a:t>
+            </a:r>
+            <a:r>
+              <a:rPr lang="en-US" dirty="0"/>
+              <a:t> </a:t>
+            </a:r>
+            <a:r>
+              <a:rPr lang="en-US" dirty="0">
+                <a:hlinkClick r:id="rId3"/>
+              </a:rPr>
+              <a:t>http://</a:t>
+            </a:r>
+            <a:r>
+              <a:rPr lang="en-US" dirty="0" smtClean="0">
+                <a:hlinkClick r:id="rId3"/>
+              </a:rPr>
+              <a:t>spark.apache.org/docs/latest/submitting-applications.html</a:t>
+            </a:r>
+            <a:r>
+              <a:rPr lang="en-US" dirty="0" smtClean="0"/>
+              <a:t> </a:t>
+            </a:r>
+          </a:p>
+          <a:p>
+            <a:endParaRPr lang="en-GB" dirty="0"/>
+          </a:p>
+          <a:p>
+            <a:r>
+              <a:rPr lang="en-GB" dirty="0" smtClean="0"/>
+              <a:t>Ideally, deploy using Docker to a cloud provider (Google Cloud, Amazon, Azure, Digital Ocean, </a:t>
+            </a:r>
+            <a:r>
+              <a:rPr lang="en-NL" dirty="0" smtClean="0"/>
+              <a:t>…</a:t>
+            </a:r>
+            <a:r>
+              <a:rPr lang="en-GB" dirty="0" smtClean="0"/>
+              <a:t>), using a Virtual Machine is also possible</a:t>
+            </a:r>
+            <a:endParaRPr lang="en-GB" dirty="0" smtClean="0"/>
+          </a:p>
+          <a:p>
+            <a:pPr lvl="1"/>
+            <a:r>
+              <a:rPr lang="en-GB" dirty="0" smtClean="0"/>
+              <a:t>Many pre-existing Docker images to deploy </a:t>
+            </a:r>
+            <a:r>
+              <a:rPr lang="en-GB" dirty="0"/>
+              <a:t>a cluster; </a:t>
+            </a:r>
+            <a:r>
+              <a:rPr lang="en-GB" dirty="0">
+                <a:hlinkClick r:id="rId4"/>
+              </a:rPr>
+              <a:t>https://hub.docker.com</a:t>
+            </a:r>
+            <a:r>
+              <a:rPr lang="en-GB" dirty="0" smtClean="0">
+                <a:hlinkClick r:id="rId4"/>
+              </a:rPr>
+              <a:t>/</a:t>
+            </a:r>
+            <a:r>
+              <a:rPr lang="en-GB" dirty="0" smtClean="0"/>
+              <a:t> </a:t>
+            </a:r>
+            <a:endParaRPr lang="en-GB" dirty="0" smtClean="0"/>
+          </a:p>
+          <a:p>
+            <a:pPr lvl="1"/>
+            <a:r>
+              <a:rPr lang="en-GB" dirty="0" smtClean="0"/>
+              <a:t>Example Docker image also provided in next slide</a:t>
+            </a:r>
+            <a:endParaRPr lang="en-GB" dirty="0" smtClean="0"/>
           </a:p>
         </p:txBody>
       </p:sp>
     </p:spTree>
     <p:extLst>
       <p:ext uri="{BB962C8B-B14F-4D97-AF65-F5344CB8AC3E}">
-        <p14:creationId xmlns:p14="http://schemas.microsoft.com/office/powerpoint/2010/main" val="3143597932"/>
+        <p14:creationId xmlns:p14="http://schemas.microsoft.com/office/powerpoint/2010/main" val="3999757772"/>
       </p:ext>
     </p:extLst>
   </p:cSld>
@@ -4075,10 +4199,14 @@
           <a:lstStyle/>
           <a:p>
             <a:r>
-              <a:rPr lang="en-US" dirty="0" smtClean="0"/>
-              <a:t>Tips</a:t>
-            </a:r>
-            <a:endParaRPr lang="en-US" dirty="0"/>
+              <a:rPr lang="nl-NL" dirty="0" smtClean="0"/>
+              <a:t>Example Standalone </a:t>
+            </a:r>
+            <a:r>
+              <a:rPr lang="nl-NL" dirty="0" smtClean="0"/>
+              <a:t>Cluster Setup</a:t>
+            </a:r>
+            <a:endParaRPr lang="nl-NL" dirty="0"/>
           </a:p>
         </p:txBody>
       </p:sp>
@@ -4095,134 +4223,131 @@
         <p:spPr/>
         <p:txBody>
           <a:bodyPr>
-            <a:normAutofit fontScale="92500" lnSpcReduction="20000"/>
+            <a:normAutofit fontScale="92500"/>
           </a:bodyPr>
           <a:lstStyle/>
           <a:p>
             <a:r>
-              <a:rPr lang="en-US" dirty="0" smtClean="0"/>
-              <a:t>Avoid working with Resilient Distributed Datasets (RDDs) directly</a:t>
-            </a:r>
-          </a:p>
-          <a:p>
-            <a:pPr lvl="1"/>
-            <a:r>
-              <a:rPr lang="en-US" dirty="0" smtClean="0"/>
-              <a:t>Prefer working with:</a:t>
-            </a:r>
-          </a:p>
-          <a:p>
-            <a:pPr lvl="2"/>
-            <a:r>
-              <a:rPr lang="en-US" dirty="0" smtClean="0"/>
-              <a:t>Data Frames (Spark SQL)</a:t>
-            </a:r>
-          </a:p>
-          <a:p>
-            <a:pPr lvl="2"/>
-            <a:r>
-              <a:rPr lang="en-US" dirty="0" smtClean="0"/>
-              <a:t>Data Sets</a:t>
-            </a:r>
-          </a:p>
-          <a:p>
-            <a:pPr lvl="1"/>
-            <a:r>
-              <a:rPr lang="en-US" dirty="0" smtClean="0"/>
-              <a:t>Frames and Sets offer much higher levels of abstraction</a:t>
-            </a:r>
-          </a:p>
-          <a:p>
-            <a:pPr lvl="1"/>
-            <a:r>
-              <a:rPr lang="en-US" dirty="0" smtClean="0"/>
-              <a:t>Use RDDs only if you need low-level transformations / control</a:t>
-            </a:r>
-            <a:endParaRPr lang="en-US" dirty="0"/>
-          </a:p>
-          <a:p>
-            <a:r>
-              <a:rPr lang="en-US" dirty="0" smtClean="0"/>
-              <a:t>Use Spark’s web-based User Interface to assist with debugging</a:t>
-            </a:r>
-          </a:p>
-          <a:p>
-            <a:pPr lvl="1"/>
-            <a:r>
-              <a:rPr lang="en-US" dirty="0" smtClean="0"/>
-              <a:t>Running on port 4040</a:t>
-            </a:r>
-            <a:endParaRPr lang="en-GB" dirty="0"/>
-          </a:p>
-          <a:p>
-            <a:r>
-              <a:rPr lang="en-GB" u="sng" dirty="0" smtClean="0"/>
-              <a:t>Do </a:t>
-            </a:r>
-            <a:r>
-              <a:rPr lang="en-GB" b="1" u="sng" dirty="0" smtClean="0"/>
-              <a:t>NOT</a:t>
-            </a:r>
-            <a:r>
-              <a:rPr lang="en-GB" u="sng" dirty="0" smtClean="0"/>
-              <a:t> use Spark 1.6 or lower</a:t>
-            </a:r>
-            <a:r>
-              <a:rPr lang="en-GB" dirty="0" smtClean="0"/>
-              <a:t>, only use the latest version, be mindful of online tutorials that still use Spark 1.6 or older.</a:t>
-            </a:r>
-          </a:p>
-          <a:p>
-            <a:r>
-              <a:rPr lang="en-GB" dirty="0" smtClean="0"/>
-              <a:t>For the online/streaming data of your algorithm, look at Spark Streaming:</a:t>
-            </a:r>
-          </a:p>
-          <a:p>
-            <a:pPr lvl="1"/>
-            <a:r>
-              <a:rPr lang="en-US" dirty="0">
+              <a:rPr lang="nl-NL" dirty="0"/>
+              <a:t>Docker image: </a:t>
+            </a:r>
+            <a:r>
+              <a:rPr lang="nl-NL" dirty="0">
                 <a:hlinkClick r:id="rId2"/>
               </a:rPr>
-              <a:t>https://spark.apache.org/streaming</a:t>
-            </a:r>
-            <a:r>
-              <a:rPr lang="en-US" dirty="0" smtClean="0">
+              <a:t>https://</a:t>
+            </a:r>
+            <a:r>
+              <a:rPr lang="nl-NL" dirty="0" smtClean="0">
                 <a:hlinkClick r:id="rId2"/>
               </a:rPr>
-              <a:t>/</a:t>
-            </a:r>
-            <a:r>
-              <a:rPr lang="en-US" dirty="0" smtClean="0"/>
+              <a:t>github.com/BrianSetz/docker-spark</a:t>
+            </a:r>
+            <a:r>
+              <a:rPr lang="nl-NL" dirty="0" smtClean="0"/>
               <a:t> </a:t>
             </a:r>
           </a:p>
           <a:p>
-            <a:r>
-              <a:rPr lang="en-GB" dirty="0" smtClean="0"/>
-              <a:t>Start on time with migrating from Spark Local to Spark Cluster</a:t>
-            </a:r>
-            <a:endParaRPr lang="en-US" dirty="0"/>
+            <a:pPr lvl="1"/>
+            <a:r>
+              <a:rPr lang="nl-NL" dirty="0" smtClean="0"/>
+              <a:t>Based </a:t>
+            </a:r>
+            <a:r>
+              <a:rPr lang="nl-NL" dirty="0"/>
+              <a:t>on: </a:t>
+            </a:r>
+            <a:r>
+              <a:rPr lang="nl-NL" dirty="0">
+                <a:hlinkClick r:id="rId3"/>
+              </a:rPr>
+              <a:t>https://</a:t>
+            </a:r>
+            <a:r>
+              <a:rPr lang="nl-NL" dirty="0" smtClean="0">
+                <a:hlinkClick r:id="rId3"/>
+              </a:rPr>
+              <a:t>github.com/P7h/docker-spark</a:t>
+            </a:r>
+            <a:r>
+              <a:rPr lang="nl-NL" dirty="0" smtClean="0"/>
+              <a:t> </a:t>
+            </a:r>
+          </a:p>
+          <a:p>
+            <a:pPr lvl="1"/>
+            <a:r>
+              <a:rPr lang="nl-NL" dirty="0" smtClean="0"/>
+              <a:t>Spark 2.2.1, Scala 2.11.12, SBT 1.1.0</a:t>
+            </a:r>
+            <a:endParaRPr lang="nl-NL" dirty="0"/>
+          </a:p>
+          <a:p>
+            <a:r>
+              <a:rPr lang="nl-NL" dirty="0" smtClean="0"/>
+              <a:t>Start Master:</a:t>
+            </a:r>
+          </a:p>
+          <a:p>
+            <a:pPr lvl="1"/>
+            <a:r>
+              <a:rPr lang="nl-NL" dirty="0">
+                <a:latin typeface="Courier New" panose="02070309020205020404" pitchFamily="49" charset="0"/>
+                <a:cs typeface="Courier New" panose="02070309020205020404" pitchFamily="49" charset="0"/>
+              </a:rPr>
+              <a:t>docker run -d --rm --name spark-master -p 4040:4040 -p 8080-8081:8080-8081 -p 7077:7077 briansetz/docker-spark:2.2.1 </a:t>
+            </a:r>
+            <a:r>
+              <a:rPr lang="nl-NL" dirty="0" smtClean="0">
+                <a:latin typeface="Courier New" panose="02070309020205020404" pitchFamily="49" charset="0"/>
+                <a:cs typeface="Courier New" panose="02070309020205020404" pitchFamily="49" charset="0"/>
+              </a:rPr>
+              <a:t>spark/sbin/start-master.sh</a:t>
+            </a:r>
+            <a:endParaRPr lang="nl-NL" dirty="0">
+              <a:latin typeface="Courier New" panose="02070309020205020404" pitchFamily="49" charset="0"/>
+              <a:cs typeface="Courier New" panose="02070309020205020404" pitchFamily="49" charset="0"/>
+            </a:endParaRPr>
+          </a:p>
+          <a:p>
+            <a:r>
+              <a:rPr lang="nl-NL" dirty="0" smtClean="0"/>
+              <a:t>Start Slave(s) / Worker(s):</a:t>
+            </a:r>
+          </a:p>
+          <a:p>
+            <a:pPr lvl="1"/>
+            <a:r>
+              <a:rPr lang="nl-NL" dirty="0">
+                <a:latin typeface="Courier New" panose="02070309020205020404" pitchFamily="49" charset="0"/>
+                <a:cs typeface="Courier New" panose="02070309020205020404" pitchFamily="49" charset="0"/>
+              </a:rPr>
+              <a:t>MASTER_IP=$(docker inspect -f '{{range .NetworkSettings.Networks}}{{.IPAddress}}{{end}}' spark-master)</a:t>
+            </a:r>
+          </a:p>
+          <a:p>
+            <a:pPr lvl="1"/>
+            <a:r>
+              <a:rPr lang="nl-NL" dirty="0">
+                <a:latin typeface="Courier New" panose="02070309020205020404" pitchFamily="49" charset="0"/>
+                <a:cs typeface="Courier New" panose="02070309020205020404" pitchFamily="49" charset="0"/>
+              </a:rPr>
+              <a:t>docker run -d --rm --name spark-slave briansetz/docker-spark:2.2.1 spark/sbin/start-slave.sh spark://${MASTER_IP}:7077</a:t>
+            </a:r>
           </a:p>
         </p:txBody>
       </p:sp>
     </p:spTree>
     <p:extLst>
       <p:ext uri="{BB962C8B-B14F-4D97-AF65-F5344CB8AC3E}">
-        <p14:creationId xmlns:p14="http://schemas.microsoft.com/office/powerpoint/2010/main" val="2755247756"/>
+        <p14:creationId xmlns:p14="http://schemas.microsoft.com/office/powerpoint/2010/main" val="3143597932"/>
       </p:ext>
     </p:extLst>
   </p:cSld>
   <p:clrMapOvr>
     <a:masterClrMapping/>
   </p:clrMapOvr>
-  <p:timing>
-    <p:tnLst>
-      <p:par>
-        <p:cTn id="1" dur="indefinite" restart="never" nodeType="tmRoot"/>
-      </p:par>
-    </p:tnLst>
-  </p:timing>
 </p:sld>
 </file>
 
@@ -4259,8 +4384,12 @@
           <a:lstStyle/>
           <a:p>
             <a:r>
-              <a:rPr lang="en-GB" dirty="0" smtClean="0"/>
-              <a:t>Useful Resources</a:t>
+              <a:rPr lang="nl-NL" dirty="0"/>
+              <a:t>Example Standalone Cluster </a:t>
+            </a:r>
+            <a:r>
+              <a:rPr lang="nl-NL" dirty="0" smtClean="0"/>
+              <a:t>Setup II</a:t>
             </a:r>
             <a:endParaRPr lang="en-US" dirty="0"/>
           </a:p>
@@ -4282,120 +4411,70 @@
           <a:lstStyle/>
           <a:p>
             <a:r>
-              <a:rPr lang="en-GB" dirty="0" smtClean="0"/>
-              <a:t>RDD vs </a:t>
-            </a:r>
-            <a:r>
-              <a:rPr lang="en-GB" dirty="0" err="1" smtClean="0"/>
-              <a:t>DataFrame</a:t>
-            </a:r>
-            <a:r>
-              <a:rPr lang="en-GB" dirty="0" smtClean="0"/>
-              <a:t> vs </a:t>
-            </a:r>
-            <a:r>
-              <a:rPr lang="en-GB" dirty="0" err="1" smtClean="0"/>
-              <a:t>DataSet</a:t>
-            </a:r>
-            <a:r>
-              <a:rPr lang="en-GB" dirty="0"/>
-              <a:t>: </a:t>
-            </a:r>
-            <a:r>
-              <a:rPr lang="en-GB" dirty="0">
+              <a:rPr lang="en-US" dirty="0" smtClean="0"/>
+              <a:t>The example assumes that you are deploying the master and the slave on the same machine. When deploying slaves on other machines, use the correct master IP. </a:t>
+            </a:r>
+          </a:p>
+          <a:p>
+            <a:endParaRPr lang="en-US" dirty="0"/>
+          </a:p>
+          <a:p>
+            <a:r>
+              <a:rPr lang="en-US" dirty="0" smtClean="0"/>
+              <a:t>You can pass additional command line parameters </a:t>
+            </a:r>
+            <a:r>
+              <a:rPr lang="en-US" dirty="0"/>
+              <a:t>to </a:t>
+            </a:r>
+            <a:r>
+              <a:rPr lang="en-US" dirty="0" smtClean="0"/>
+              <a:t>start-master.sh </a:t>
+            </a:r>
+            <a:r>
+              <a:rPr lang="en-US" dirty="0"/>
+              <a:t>and </a:t>
+            </a:r>
+            <a:r>
+              <a:rPr lang="en-US" dirty="0" smtClean="0"/>
+              <a:t>start-slave.sh</a:t>
+            </a:r>
+          </a:p>
+          <a:p>
+            <a:pPr lvl="1"/>
+            <a:r>
+              <a:rPr lang="en-US" dirty="0">
                 <a:hlinkClick r:id="rId2"/>
               </a:rPr>
-              <a:t>http://</a:t>
-            </a:r>
-            <a:r>
-              <a:rPr lang="en-GB" dirty="0" smtClean="0">
+              <a:t>https://</a:t>
+            </a:r>
+            <a:r>
+              <a:rPr lang="en-US" dirty="0" smtClean="0">
                 <a:hlinkClick r:id="rId2"/>
               </a:rPr>
-              <a:t>why-not-learn-something.blogspot.nl/2016/07/apache-spark-rdd-vs-dataframe-vs-dataset.html</a:t>
-            </a:r>
-            <a:r>
-              <a:rPr lang="en-GB" dirty="0" smtClean="0"/>
-              <a:t> </a:t>
-            </a:r>
-            <a:endParaRPr lang="en-GB" dirty="0"/>
-          </a:p>
-          <a:p>
-            <a:r>
-              <a:rPr lang="en-GB" dirty="0" smtClean="0"/>
-              <a:t>Common </a:t>
-            </a:r>
-            <a:r>
-              <a:rPr lang="en-GB" dirty="0"/>
-              <a:t>mistakes: </a:t>
-            </a:r>
-            <a:r>
-              <a:rPr lang="en-GB" dirty="0">
-                <a:hlinkClick r:id="rId3"/>
-              </a:rPr>
-              <a:t>https://</a:t>
-            </a:r>
-            <a:r>
-              <a:rPr lang="en-GB" dirty="0" smtClean="0">
-                <a:hlinkClick r:id="rId3"/>
-              </a:rPr>
-              <a:t>www.slideshare.net/cloudera/top-5-mistakes-to-avoid-when-writing-apache-spark-applications</a:t>
-            </a:r>
-            <a:r>
-              <a:rPr lang="en-GB" dirty="0" smtClean="0"/>
-              <a:t> </a:t>
-            </a:r>
-          </a:p>
-          <a:p>
-            <a:r>
-              <a:rPr lang="en-GB" dirty="0"/>
-              <a:t>Spark Streaming: </a:t>
-            </a:r>
-            <a:r>
-              <a:rPr lang="en-GB" dirty="0">
-                <a:hlinkClick r:id="rId4"/>
-              </a:rPr>
-              <a:t>https://</a:t>
-            </a:r>
-            <a:r>
-              <a:rPr lang="en-GB" dirty="0" smtClean="0">
-                <a:hlinkClick r:id="rId4"/>
-              </a:rPr>
-              <a:t>www.slideshare.net/prakash573/spark-streaming-best-practices</a:t>
-            </a:r>
-            <a:r>
-              <a:rPr lang="en-GB" dirty="0" smtClean="0"/>
-              <a:t> </a:t>
-            </a:r>
-          </a:p>
-          <a:p>
-            <a:r>
-              <a:rPr lang="en-GB" dirty="0"/>
-              <a:t>Git tutorial: </a:t>
-            </a:r>
-            <a:r>
-              <a:rPr lang="en-GB" dirty="0">
-                <a:hlinkClick r:id="rId5"/>
-              </a:rPr>
-              <a:t>https://</a:t>
-            </a:r>
-            <a:r>
-              <a:rPr lang="en-GB" dirty="0" smtClean="0">
-                <a:hlinkClick r:id="rId5"/>
-              </a:rPr>
-              <a:t>try.github.io/levels/1/challenges/1</a:t>
-            </a:r>
-            <a:r>
-              <a:rPr lang="en-GB" dirty="0" smtClean="0"/>
-              <a:t> </a:t>
-            </a:r>
+              <a:t>spark.apache.org/docs/latest/spark-standalone.html</a:t>
+            </a:r>
+            <a:endParaRPr lang="en-US" dirty="0" smtClean="0"/>
+          </a:p>
+          <a:p>
+            <a:pPr lvl="1"/>
             <a:endParaRPr lang="en-US" dirty="0"/>
+          </a:p>
+          <a:p>
+            <a:r>
+              <a:rPr lang="en-US" dirty="0" smtClean="0"/>
+              <a:t>Another good alternative is to run Spark on top of YARN</a:t>
+            </a:r>
+          </a:p>
+          <a:p>
+            <a:endParaRPr lang="en-US" dirty="0" smtClean="0"/>
           </a:p>
         </p:txBody>
       </p:sp>
     </p:spTree>
     <p:extLst>
       <p:ext uri="{BB962C8B-B14F-4D97-AF65-F5344CB8AC3E}">
-        <p14:creationId xmlns:p14="http://schemas.microsoft.com/office/powerpoint/2010/main" val="708177791"/>
+        <p14:creationId xmlns:p14="http://schemas.microsoft.com/office/powerpoint/2010/main" val="940526103"/>
       </p:ext>
     </p:extLst>
   </p:cSld>
@@ -4438,6 +4517,739 @@
           <a:lstStyle/>
           <a:p>
             <a:r>
+              <a:rPr lang="en-US" dirty="0" smtClean="0"/>
+              <a:t>Spark </a:t>
+            </a:r>
+            <a:r>
+              <a:rPr lang="en-US" dirty="0" err="1" smtClean="0"/>
+              <a:t>Bootcamp</a:t>
+            </a:r>
+            <a:r>
+              <a:rPr lang="en-US" dirty="0" smtClean="0"/>
+              <a:t> Project IV </a:t>
+            </a:r>
+            <a:endParaRPr lang="en-US" dirty="0"/>
+          </a:p>
+        </p:txBody>
+      </p:sp>
+      <p:sp>
+        <p:nvSpPr>
+          <p:cNvPr id="3" name="Content Placeholder 2"/>
+          <p:cNvSpPr>
+            <a:spLocks noGrp="1"/>
+          </p:cNvSpPr>
+          <p:nvPr>
+            <p:ph idx="1"/>
+          </p:nvPr>
+        </p:nvSpPr>
+        <p:spPr/>
+        <p:txBody>
+          <a:bodyPr>
+            <a:normAutofit fontScale="92500" lnSpcReduction="20000"/>
+          </a:bodyPr>
+          <a:lstStyle/>
+          <a:p>
+            <a:r>
+              <a:rPr lang="en-US" dirty="0" smtClean="0"/>
+              <a:t>Now that you have created the cluster, you can submit a job to the cluster</a:t>
+            </a:r>
+          </a:p>
+          <a:p>
+            <a:pPr lvl="1"/>
+            <a:r>
+              <a:rPr lang="en-US" dirty="0" smtClean="0"/>
+              <a:t>Unlike local deployment, where you run the application in IntelliJ, cluster deployment requires you to build a JAR file that has to be submitted.</a:t>
+            </a:r>
+          </a:p>
+          <a:p>
+            <a:pPr lvl="1"/>
+            <a:endParaRPr lang="en-US" dirty="0"/>
+          </a:p>
+          <a:p>
+            <a:r>
+              <a:rPr lang="en-US" dirty="0" smtClean="0"/>
+              <a:t>To build a (fat) JAR file, use </a:t>
+            </a:r>
+            <a:r>
+              <a:rPr lang="en-US" dirty="0" err="1" smtClean="0"/>
+              <a:t>sbt</a:t>
+            </a:r>
+            <a:r>
+              <a:rPr lang="en-US" dirty="0" smtClean="0"/>
+              <a:t>-assembly</a:t>
+            </a:r>
+          </a:p>
+          <a:p>
+            <a:pPr lvl="1"/>
+            <a:r>
+              <a:rPr lang="en-US" dirty="0">
+                <a:hlinkClick r:id="rId2"/>
+              </a:rPr>
+              <a:t>https://</a:t>
+            </a:r>
+            <a:r>
+              <a:rPr lang="en-US" dirty="0" smtClean="0">
+                <a:hlinkClick r:id="rId2"/>
+              </a:rPr>
+              <a:t>github.com/sbt/sbt-assembly</a:t>
+            </a:r>
+            <a:r>
+              <a:rPr lang="en-US" dirty="0" smtClean="0"/>
+              <a:t> </a:t>
+            </a:r>
+          </a:p>
+          <a:p>
+            <a:pPr lvl="1"/>
+            <a:r>
+              <a:rPr lang="en-US" dirty="0" smtClean="0"/>
+              <a:t>It is included in the example project, you can run the following command in the root of the project to create the far JAR:</a:t>
+            </a:r>
+          </a:p>
+          <a:p>
+            <a:pPr lvl="2"/>
+            <a:r>
+              <a:rPr lang="en-US" dirty="0" err="1" smtClean="0">
+                <a:latin typeface="Courier New" panose="02070309020205020404" pitchFamily="49" charset="0"/>
+                <a:cs typeface="Courier New" panose="02070309020205020404" pitchFamily="49" charset="0"/>
+              </a:rPr>
+              <a:t>sbt</a:t>
+            </a:r>
+            <a:r>
+              <a:rPr lang="en-US" dirty="0" smtClean="0">
+                <a:latin typeface="Courier New" panose="02070309020205020404" pitchFamily="49" charset="0"/>
+                <a:cs typeface="Courier New" panose="02070309020205020404" pitchFamily="49" charset="0"/>
+              </a:rPr>
+              <a:t> assembly</a:t>
+            </a:r>
+          </a:p>
+          <a:p>
+            <a:pPr lvl="1"/>
+            <a:r>
+              <a:rPr lang="en-US" dirty="0" smtClean="0">
+                <a:cs typeface="Courier New" panose="02070309020205020404" pitchFamily="49" charset="0"/>
+              </a:rPr>
+              <a:t>After running the command, the console will show the location of the fat jar</a:t>
+            </a:r>
+          </a:p>
+          <a:p>
+            <a:pPr lvl="1"/>
+            <a:r>
+              <a:rPr lang="en-US" dirty="0" smtClean="0">
+                <a:cs typeface="Courier New" panose="02070309020205020404" pitchFamily="49" charset="0"/>
+              </a:rPr>
+              <a:t>Submit the far </a:t>
+            </a:r>
+            <a:r>
+              <a:rPr lang="en-US" dirty="0">
+                <a:cs typeface="Courier New" panose="02070309020205020404" pitchFamily="49" charset="0"/>
+              </a:rPr>
+              <a:t>jar</a:t>
+            </a:r>
+            <a:r>
+              <a:rPr lang="en-US" dirty="0" smtClean="0">
+                <a:cs typeface="Courier New" panose="02070309020205020404" pitchFamily="49" charset="0"/>
+              </a:rPr>
+              <a:t>:</a:t>
+            </a:r>
+          </a:p>
+          <a:p>
+            <a:pPr lvl="2"/>
+            <a:r>
+              <a:rPr lang="en-US" dirty="0" smtClean="0">
+                <a:latin typeface="Courier New" panose="02070309020205020404" pitchFamily="49" charset="0"/>
+                <a:cs typeface="Courier New" panose="02070309020205020404" pitchFamily="49" charset="0"/>
+              </a:rPr>
+              <a:t>./</a:t>
+            </a:r>
+            <a:r>
+              <a:rPr lang="en-US" dirty="0">
+                <a:latin typeface="Courier New" panose="02070309020205020404" pitchFamily="49" charset="0"/>
+                <a:cs typeface="Courier New" panose="02070309020205020404" pitchFamily="49" charset="0"/>
+              </a:rPr>
+              <a:t>spark-submit --class </a:t>
+            </a:r>
+            <a:r>
+              <a:rPr lang="en-US" dirty="0" err="1">
+                <a:latin typeface="Courier New" panose="02070309020205020404" pitchFamily="49" charset="0"/>
+                <a:cs typeface="Courier New" panose="02070309020205020404" pitchFamily="49" charset="0"/>
+              </a:rPr>
+              <a:t>nl.rug.sc.app.SparkSubmitMain</a:t>
+            </a:r>
+            <a:r>
+              <a:rPr lang="en-US" dirty="0">
+                <a:latin typeface="Courier New" panose="02070309020205020404" pitchFamily="49" charset="0"/>
+                <a:cs typeface="Courier New" panose="02070309020205020404" pitchFamily="49" charset="0"/>
+              </a:rPr>
+              <a:t> --deploy-mode client --master spark://localhost:7077 &lt;your-path-to&gt;/spark-</a:t>
+            </a:r>
+            <a:r>
+              <a:rPr lang="en-US" dirty="0" err="1">
+                <a:latin typeface="Courier New" panose="02070309020205020404" pitchFamily="49" charset="0"/>
+                <a:cs typeface="Courier New" panose="02070309020205020404" pitchFamily="49" charset="0"/>
+              </a:rPr>
+              <a:t>bootcamp</a:t>
+            </a:r>
+            <a:r>
+              <a:rPr lang="en-US" dirty="0">
+                <a:latin typeface="Courier New" panose="02070309020205020404" pitchFamily="49" charset="0"/>
+                <a:cs typeface="Courier New" panose="02070309020205020404" pitchFamily="49" charset="0"/>
+              </a:rPr>
+              <a:t>/target/scala-2.11/spark-bootcamp-assembly-0.1.jar</a:t>
+            </a:r>
+            <a:endParaRPr lang="en-US" dirty="0" smtClean="0">
+              <a:latin typeface="Courier New" panose="02070309020205020404" pitchFamily="49" charset="0"/>
+              <a:cs typeface="Courier New" panose="02070309020205020404" pitchFamily="49" charset="0"/>
+            </a:endParaRPr>
+          </a:p>
+          <a:p>
+            <a:pPr lvl="2"/>
+            <a:endParaRPr lang="en-US" dirty="0">
+              <a:cs typeface="Courier New" panose="02070309020205020404" pitchFamily="49" charset="0"/>
+            </a:endParaRPr>
+          </a:p>
+        </p:txBody>
+      </p:sp>
+    </p:spTree>
+    <p:extLst>
+      <p:ext uri="{BB962C8B-B14F-4D97-AF65-F5344CB8AC3E}">
+        <p14:creationId xmlns:p14="http://schemas.microsoft.com/office/powerpoint/2010/main" val="716382610"/>
+      </p:ext>
+    </p:extLst>
+  </p:cSld>
+  <p:clrMapOvr>
+    <a:masterClrMapping/>
+  </p:clrMapOvr>
+</p:sld>
+</file>
+
+<file path=ppt/slides/slide15.xml><?xml version="1.0" encoding="utf-8"?>
+<p:sld xmlns:a="http://schemas.openxmlformats.org/drawingml/2006/main" xmlns:r="http://schemas.openxmlformats.org/officeDocument/2006/relationships" xmlns:p="http://schemas.openxmlformats.org/presentationml/2006/main">
+  <p:cSld>
+    <p:spTree>
+      <p:nvGrpSpPr>
+        <p:cNvPr id="1" name=""/>
+        <p:cNvGrpSpPr/>
+        <p:nvPr/>
+      </p:nvGrpSpPr>
+      <p:grpSpPr>
+        <a:xfrm>
+          <a:off x="0" y="0"/>
+          <a:ext cx="0" cy="0"/>
+          <a:chOff x="0" y="0"/>
+          <a:chExt cx="0" cy="0"/>
+        </a:xfrm>
+      </p:grpSpPr>
+      <p:sp>
+        <p:nvSpPr>
+          <p:cNvPr id="2" name="Title 1"/>
+          <p:cNvSpPr>
+            <a:spLocks noGrp="1"/>
+          </p:cNvSpPr>
+          <p:nvPr>
+            <p:ph type="title"/>
+          </p:nvPr>
+        </p:nvSpPr>
+        <p:spPr/>
+        <p:txBody>
+          <a:bodyPr/>
+          <a:lstStyle/>
+          <a:p>
+            <a:r>
+              <a:rPr lang="en-US" dirty="0" smtClean="0"/>
+              <a:t>Spark </a:t>
+            </a:r>
+            <a:r>
+              <a:rPr lang="en-US" dirty="0" err="1" smtClean="0"/>
+              <a:t>Bootcamp</a:t>
+            </a:r>
+            <a:r>
+              <a:rPr lang="en-US" dirty="0" smtClean="0"/>
+              <a:t> Project V</a:t>
+            </a:r>
+            <a:endParaRPr lang="en-US" dirty="0"/>
+          </a:p>
+        </p:txBody>
+      </p:sp>
+      <p:sp>
+        <p:nvSpPr>
+          <p:cNvPr id="3" name="Content Placeholder 2"/>
+          <p:cNvSpPr>
+            <a:spLocks noGrp="1"/>
+          </p:cNvSpPr>
+          <p:nvPr>
+            <p:ph idx="1"/>
+          </p:nvPr>
+        </p:nvSpPr>
+        <p:spPr/>
+        <p:txBody>
+          <a:bodyPr/>
+          <a:lstStyle/>
+          <a:p>
+            <a:r>
+              <a:rPr lang="en-US" dirty="0" smtClean="0"/>
+              <a:t>When submitting to remote clusters:</a:t>
+            </a:r>
+          </a:p>
+          <a:p>
+            <a:pPr lvl="1"/>
+            <a:r>
+              <a:rPr lang="en-US" dirty="0" smtClean="0"/>
+              <a:t>Make sure that all workers can access the required files / data which means using a database or distributed file system</a:t>
+            </a:r>
+          </a:p>
+          <a:p>
+            <a:pPr lvl="1"/>
+            <a:r>
+              <a:rPr lang="en-US" dirty="0" smtClean="0"/>
+              <a:t>Think about where your driver is running (deploy-mode) and how this affects, for example, directories</a:t>
+            </a:r>
+          </a:p>
+          <a:p>
+            <a:pPr lvl="1"/>
+            <a:r>
+              <a:rPr lang="en-US" dirty="0" smtClean="0"/>
+              <a:t>Submit a fat JAR, a jar containing all dependencies in your project, otherwise you experience </a:t>
+            </a:r>
+            <a:r>
+              <a:rPr lang="en-US" b="1" dirty="0" err="1" smtClean="0"/>
+              <a:t>ClassNotFoundException</a:t>
+            </a:r>
+            <a:r>
+              <a:rPr lang="en-US" dirty="0" err="1" smtClean="0"/>
+              <a:t>’s</a:t>
+            </a:r>
+            <a:r>
+              <a:rPr lang="en-US" dirty="0" smtClean="0"/>
+              <a:t> as the slaves do not have these dependencies</a:t>
+            </a:r>
+          </a:p>
+          <a:p>
+            <a:pPr lvl="1"/>
+            <a:r>
+              <a:rPr lang="en-US" dirty="0" smtClean="0"/>
+              <a:t>Be careful when returning data to the driver, if you return a lot of data to a driver that is running on your local machine, this will be slow as data has to be transferred from your remote cluster to the local machine. Better would be to run the driver in the cluster itself, reducing the latency </a:t>
+            </a:r>
+            <a:endParaRPr lang="en-US" dirty="0"/>
+          </a:p>
+        </p:txBody>
+      </p:sp>
+    </p:spTree>
+    <p:extLst>
+      <p:ext uri="{BB962C8B-B14F-4D97-AF65-F5344CB8AC3E}">
+        <p14:creationId xmlns:p14="http://schemas.microsoft.com/office/powerpoint/2010/main" val="1123954594"/>
+      </p:ext>
+    </p:extLst>
+  </p:cSld>
+  <p:clrMapOvr>
+    <a:masterClrMapping/>
+  </p:clrMapOvr>
+</p:sld>
+</file>
+
+<file path=ppt/slides/slide16.xml><?xml version="1.0" encoding="utf-8"?>
+<p:sld xmlns:a="http://schemas.openxmlformats.org/drawingml/2006/main" xmlns:r="http://schemas.openxmlformats.org/officeDocument/2006/relationships" xmlns:p="http://schemas.openxmlformats.org/presentationml/2006/main">
+  <p:cSld>
+    <p:spTree>
+      <p:nvGrpSpPr>
+        <p:cNvPr id="1" name=""/>
+        <p:cNvGrpSpPr/>
+        <p:nvPr/>
+      </p:nvGrpSpPr>
+      <p:grpSpPr>
+        <a:xfrm>
+          <a:off x="0" y="0"/>
+          <a:ext cx="0" cy="0"/>
+          <a:chOff x="0" y="0"/>
+          <a:chExt cx="0" cy="0"/>
+        </a:xfrm>
+      </p:grpSpPr>
+      <p:sp>
+        <p:nvSpPr>
+          <p:cNvPr id="2" name="Title 1"/>
+          <p:cNvSpPr>
+            <a:spLocks noGrp="1"/>
+          </p:cNvSpPr>
+          <p:nvPr>
+            <p:ph type="title"/>
+          </p:nvPr>
+        </p:nvSpPr>
+        <p:spPr/>
+        <p:txBody>
+          <a:bodyPr/>
+          <a:lstStyle/>
+          <a:p>
+            <a:r>
+              <a:rPr lang="en-US" dirty="0" smtClean="0"/>
+              <a:t>Tips</a:t>
+            </a:r>
+            <a:endParaRPr lang="en-US" dirty="0"/>
+          </a:p>
+        </p:txBody>
+      </p:sp>
+      <p:sp>
+        <p:nvSpPr>
+          <p:cNvPr id="3" name="Content Placeholder 2"/>
+          <p:cNvSpPr>
+            <a:spLocks noGrp="1"/>
+          </p:cNvSpPr>
+          <p:nvPr>
+            <p:ph idx="1"/>
+          </p:nvPr>
+        </p:nvSpPr>
+        <p:spPr/>
+        <p:txBody>
+          <a:bodyPr>
+            <a:normAutofit fontScale="92500" lnSpcReduction="20000"/>
+          </a:bodyPr>
+          <a:lstStyle/>
+          <a:p>
+            <a:r>
+              <a:rPr lang="en-US" dirty="0" smtClean="0"/>
+              <a:t>Avoid working with Resilient Distributed Datasets (RDDs) directly</a:t>
+            </a:r>
+          </a:p>
+          <a:p>
+            <a:pPr lvl="1"/>
+            <a:r>
+              <a:rPr lang="en-US" dirty="0" smtClean="0"/>
+              <a:t>Prefer working with:</a:t>
+            </a:r>
+          </a:p>
+          <a:p>
+            <a:pPr lvl="2"/>
+            <a:r>
+              <a:rPr lang="en-US" dirty="0" smtClean="0"/>
+              <a:t>Data Frames (Spark SQL)</a:t>
+            </a:r>
+          </a:p>
+          <a:p>
+            <a:pPr lvl="2"/>
+            <a:r>
+              <a:rPr lang="en-US" dirty="0" smtClean="0"/>
+              <a:t>Data Sets</a:t>
+            </a:r>
+          </a:p>
+          <a:p>
+            <a:pPr lvl="1"/>
+            <a:r>
+              <a:rPr lang="en-US" dirty="0" smtClean="0"/>
+              <a:t>Frames and Sets offer much higher levels of abstraction</a:t>
+            </a:r>
+          </a:p>
+          <a:p>
+            <a:pPr lvl="1"/>
+            <a:r>
+              <a:rPr lang="en-US" dirty="0" smtClean="0"/>
+              <a:t>Use RDDs only if you need low-level transformations / control</a:t>
+            </a:r>
+            <a:endParaRPr lang="en-US" dirty="0"/>
+          </a:p>
+          <a:p>
+            <a:r>
+              <a:rPr lang="en-US" dirty="0" smtClean="0"/>
+              <a:t>Use Spark’s web-based User Interface to assist with debugging</a:t>
+            </a:r>
+          </a:p>
+          <a:p>
+            <a:pPr lvl="1"/>
+            <a:r>
+              <a:rPr lang="en-US" dirty="0" smtClean="0"/>
+              <a:t>Running on port 4040</a:t>
+            </a:r>
+            <a:endParaRPr lang="en-GB" dirty="0"/>
+          </a:p>
+          <a:p>
+            <a:r>
+              <a:rPr lang="en-GB" u="sng" dirty="0" smtClean="0"/>
+              <a:t>Do </a:t>
+            </a:r>
+            <a:r>
+              <a:rPr lang="en-GB" b="1" u="sng" dirty="0" smtClean="0"/>
+              <a:t>NOT</a:t>
+            </a:r>
+            <a:r>
+              <a:rPr lang="en-GB" u="sng" dirty="0" smtClean="0"/>
+              <a:t> use Spark 1.6 or lower</a:t>
+            </a:r>
+            <a:r>
+              <a:rPr lang="en-GB" dirty="0" smtClean="0"/>
+              <a:t>, only use the latest </a:t>
+            </a:r>
+            <a:r>
+              <a:rPr lang="en-GB" dirty="0" smtClean="0"/>
+              <a:t>version (=2.2.1), </a:t>
+            </a:r>
+            <a:r>
+              <a:rPr lang="en-GB" dirty="0" smtClean="0"/>
+              <a:t>be mindful of online tutorials that still use Spark 1.6 or older.</a:t>
+            </a:r>
+          </a:p>
+          <a:p>
+            <a:r>
+              <a:rPr lang="en-GB" dirty="0" smtClean="0"/>
+              <a:t>For the online/streaming data of your algorithm, look at Spark Streaming:</a:t>
+            </a:r>
+          </a:p>
+          <a:p>
+            <a:pPr lvl="1"/>
+            <a:r>
+              <a:rPr lang="en-US" dirty="0">
+                <a:hlinkClick r:id="rId2"/>
+              </a:rPr>
+              <a:t>https://spark.apache.org/streaming</a:t>
+            </a:r>
+            <a:r>
+              <a:rPr lang="en-US" dirty="0" smtClean="0">
+                <a:hlinkClick r:id="rId2"/>
+              </a:rPr>
+              <a:t>/</a:t>
+            </a:r>
+            <a:r>
+              <a:rPr lang="en-US" dirty="0" smtClean="0"/>
+              <a:t> </a:t>
+            </a:r>
+          </a:p>
+          <a:p>
+            <a:r>
+              <a:rPr lang="en-GB" dirty="0" smtClean="0"/>
+              <a:t>Start on time with migrating from Spark Local to Spark Cluster</a:t>
+            </a:r>
+            <a:endParaRPr lang="en-US" dirty="0"/>
+          </a:p>
+        </p:txBody>
+      </p:sp>
+    </p:spTree>
+    <p:extLst>
+      <p:ext uri="{BB962C8B-B14F-4D97-AF65-F5344CB8AC3E}">
+        <p14:creationId xmlns:p14="http://schemas.microsoft.com/office/powerpoint/2010/main" val="2755247756"/>
+      </p:ext>
+    </p:extLst>
+  </p:cSld>
+  <p:clrMapOvr>
+    <a:masterClrMapping/>
+  </p:clrMapOvr>
+  <p:timing>
+    <p:tnLst>
+      <p:par>
+        <p:cTn id="1" dur="indefinite" restart="never" nodeType="tmRoot"/>
+      </p:par>
+    </p:tnLst>
+  </p:timing>
+</p:sld>
+</file>
+
+<file path=ppt/slides/slide17.xml><?xml version="1.0" encoding="utf-8"?>
+<p:sld xmlns:a="http://schemas.openxmlformats.org/drawingml/2006/main" xmlns:r="http://schemas.openxmlformats.org/officeDocument/2006/relationships" xmlns:p="http://schemas.openxmlformats.org/presentationml/2006/main">
+  <p:cSld>
+    <p:spTree>
+      <p:nvGrpSpPr>
+        <p:cNvPr id="1" name=""/>
+        <p:cNvGrpSpPr/>
+        <p:nvPr/>
+      </p:nvGrpSpPr>
+      <p:grpSpPr>
+        <a:xfrm>
+          <a:off x="0" y="0"/>
+          <a:ext cx="0" cy="0"/>
+          <a:chOff x="0" y="0"/>
+          <a:chExt cx="0" cy="0"/>
+        </a:xfrm>
+      </p:grpSpPr>
+      <p:sp>
+        <p:nvSpPr>
+          <p:cNvPr id="2" name="Title 1"/>
+          <p:cNvSpPr>
+            <a:spLocks noGrp="1"/>
+          </p:cNvSpPr>
+          <p:nvPr>
+            <p:ph type="title"/>
+          </p:nvPr>
+        </p:nvSpPr>
+        <p:spPr/>
+        <p:txBody>
+          <a:bodyPr/>
+          <a:lstStyle/>
+          <a:p>
+            <a:r>
+              <a:rPr lang="en-GB" dirty="0" smtClean="0"/>
+              <a:t>Useful Resources</a:t>
+            </a:r>
+            <a:endParaRPr lang="en-US" dirty="0"/>
+          </a:p>
+        </p:txBody>
+      </p:sp>
+      <p:sp>
+        <p:nvSpPr>
+          <p:cNvPr id="3" name="Content Placeholder 2"/>
+          <p:cNvSpPr>
+            <a:spLocks noGrp="1"/>
+          </p:cNvSpPr>
+          <p:nvPr>
+            <p:ph idx="1"/>
+          </p:nvPr>
+        </p:nvSpPr>
+        <p:spPr/>
+        <p:txBody>
+          <a:bodyPr/>
+          <a:lstStyle/>
+          <a:p>
+            <a:r>
+              <a:rPr lang="en-GB" dirty="0" smtClean="0"/>
+              <a:t>RDD vs </a:t>
+            </a:r>
+            <a:r>
+              <a:rPr lang="en-GB" dirty="0" err="1" smtClean="0"/>
+              <a:t>DataFrame</a:t>
+            </a:r>
+            <a:r>
+              <a:rPr lang="en-GB" dirty="0" smtClean="0"/>
+              <a:t> vs </a:t>
+            </a:r>
+            <a:r>
+              <a:rPr lang="en-GB" dirty="0" err="1" smtClean="0"/>
+              <a:t>DataSet</a:t>
+            </a:r>
+            <a:r>
+              <a:rPr lang="en-GB" dirty="0"/>
+              <a:t>: </a:t>
+            </a:r>
+            <a:r>
+              <a:rPr lang="en-GB" dirty="0">
+                <a:hlinkClick r:id="rId2"/>
+              </a:rPr>
+              <a:t>http://</a:t>
+            </a:r>
+            <a:r>
+              <a:rPr lang="en-GB" dirty="0" smtClean="0">
+                <a:hlinkClick r:id="rId2"/>
+              </a:rPr>
+              <a:t>why-not-learn-something.blogspot.nl/2016/07/apache-spark-rdd-vs-dataframe-vs-dataset.html</a:t>
+            </a:r>
+            <a:r>
+              <a:rPr lang="en-GB" dirty="0" smtClean="0"/>
+              <a:t> </a:t>
+            </a:r>
+            <a:endParaRPr lang="en-GB" dirty="0"/>
+          </a:p>
+          <a:p>
+            <a:r>
+              <a:rPr lang="en-GB" dirty="0" smtClean="0"/>
+              <a:t>Common </a:t>
+            </a:r>
+            <a:r>
+              <a:rPr lang="en-GB" dirty="0"/>
+              <a:t>mistakes: </a:t>
+            </a:r>
+            <a:r>
+              <a:rPr lang="en-GB" dirty="0">
+                <a:hlinkClick r:id="rId3"/>
+              </a:rPr>
+              <a:t>https://</a:t>
+            </a:r>
+            <a:r>
+              <a:rPr lang="en-GB" dirty="0" smtClean="0">
+                <a:hlinkClick r:id="rId3"/>
+              </a:rPr>
+              <a:t>www.slideshare.net/cloudera/top-5-mistakes-to-avoid-when-writing-apache-spark-applications</a:t>
+            </a:r>
+            <a:r>
+              <a:rPr lang="en-GB" dirty="0" smtClean="0"/>
+              <a:t> </a:t>
+            </a:r>
+          </a:p>
+          <a:p>
+            <a:r>
+              <a:rPr lang="en-GB" dirty="0"/>
+              <a:t>Spark Streaming: </a:t>
+            </a:r>
+            <a:r>
+              <a:rPr lang="en-GB" dirty="0">
+                <a:hlinkClick r:id="rId4"/>
+              </a:rPr>
+              <a:t>https://</a:t>
+            </a:r>
+            <a:r>
+              <a:rPr lang="en-GB" dirty="0" smtClean="0">
+                <a:hlinkClick r:id="rId4"/>
+              </a:rPr>
+              <a:t>www.slideshare.net/prakash573/spark-streaming-best-practices</a:t>
+            </a:r>
+            <a:r>
+              <a:rPr lang="en-GB" dirty="0" smtClean="0"/>
+              <a:t> </a:t>
+            </a:r>
+          </a:p>
+          <a:p>
+            <a:r>
+              <a:rPr lang="en-GB" dirty="0"/>
+              <a:t>Git tutorial: </a:t>
+            </a:r>
+            <a:r>
+              <a:rPr lang="en-GB" dirty="0">
+                <a:hlinkClick r:id="rId5"/>
+              </a:rPr>
+              <a:t>https://</a:t>
+            </a:r>
+            <a:r>
+              <a:rPr lang="en-GB" dirty="0" smtClean="0">
+                <a:hlinkClick r:id="rId5"/>
+              </a:rPr>
+              <a:t>try.github.io/levels/1/challenges/1</a:t>
+            </a:r>
+            <a:r>
+              <a:rPr lang="en-GB" dirty="0" smtClean="0"/>
+              <a:t> </a:t>
+            </a:r>
+            <a:endParaRPr lang="en-US" dirty="0"/>
+          </a:p>
+        </p:txBody>
+      </p:sp>
+    </p:spTree>
+    <p:extLst>
+      <p:ext uri="{BB962C8B-B14F-4D97-AF65-F5344CB8AC3E}">
+        <p14:creationId xmlns:p14="http://schemas.microsoft.com/office/powerpoint/2010/main" val="708177791"/>
+      </p:ext>
+    </p:extLst>
+  </p:cSld>
+  <p:clrMapOvr>
+    <a:masterClrMapping/>
+  </p:clrMapOvr>
+</p:sld>
+</file>
+
+<file path=ppt/slides/slide18.xml><?xml version="1.0" encoding="utf-8"?>
+<p:sld xmlns:a="http://schemas.openxmlformats.org/drawingml/2006/main" xmlns:r="http://schemas.openxmlformats.org/officeDocument/2006/relationships" xmlns:p="http://schemas.openxmlformats.org/presentationml/2006/main">
+  <p:cSld>
+    <p:spTree>
+      <p:nvGrpSpPr>
+        <p:cNvPr id="1" name=""/>
+        <p:cNvGrpSpPr/>
+        <p:nvPr/>
+      </p:nvGrpSpPr>
+      <p:grpSpPr>
+        <a:xfrm>
+          <a:off x="0" y="0"/>
+          <a:ext cx="0" cy="0"/>
+          <a:chOff x="0" y="0"/>
+          <a:chExt cx="0" cy="0"/>
+        </a:xfrm>
+      </p:grpSpPr>
+      <p:sp>
+        <p:nvSpPr>
+          <p:cNvPr id="2" name="Title 1"/>
+          <p:cNvSpPr>
+            <a:spLocks noGrp="1"/>
+          </p:cNvSpPr>
+          <p:nvPr>
+            <p:ph type="title"/>
+          </p:nvPr>
+        </p:nvSpPr>
+        <p:spPr/>
+        <p:txBody>
+          <a:bodyPr/>
+          <a:lstStyle/>
+          <a:p>
+            <a:r>
               <a:rPr lang="nl-NL" dirty="0" smtClean="0"/>
               <a:t>Troubleshooting	</a:t>
             </a:r>
@@ -4495,8 +5307,39 @@
             </a:r>
             <a:r>
               <a:rPr lang="nl-NL" dirty="0"/>
-              <a:t>running “SparkExampleMain”, try updating and/or restarting IntelliJ</a:t>
-            </a:r>
+              <a:t>running “</a:t>
+            </a:r>
+            <a:r>
+              <a:rPr lang="nl-NL" dirty="0" smtClean="0"/>
+              <a:t>SparkLocalMain</a:t>
+            </a:r>
+            <a:r>
+              <a:rPr lang="nl-NL" dirty="0"/>
+              <a:t>”, try updating and/or restarting </a:t>
+            </a:r>
+            <a:r>
+              <a:rPr lang="nl-NL" dirty="0" smtClean="0"/>
+              <a:t>IntelliJ</a:t>
+            </a:r>
+            <a:endParaRPr lang="nl-NL" dirty="0"/>
+          </a:p>
+          <a:p>
+            <a:endParaRPr lang="nl-NL" dirty="0" smtClean="0"/>
+          </a:p>
+          <a:p>
+            <a:r>
+              <a:rPr lang="nl-NL" dirty="0" smtClean="0"/>
+              <a:t>A </a:t>
+            </a:r>
+            <a:r>
+              <a:rPr lang="nl-NL" b="1" dirty="0" smtClean="0"/>
+              <a:t>FileNotFoundException</a:t>
+            </a:r>
+            <a:r>
+              <a:rPr lang="nl-NL" dirty="0" smtClean="0"/>
+              <a:t> is expected when submitting “SparkSubmitMain”</a:t>
+            </a:r>
+            <a:endParaRPr lang="nl-NL" dirty="0"/>
           </a:p>
         </p:txBody>
       </p:sp>
@@ -4504,6 +5347,92 @@
     <p:extLst>
       <p:ext uri="{BB962C8B-B14F-4D97-AF65-F5344CB8AC3E}">
         <p14:creationId xmlns:p14="http://schemas.microsoft.com/office/powerpoint/2010/main" val="4027043143"/>
+      </p:ext>
+    </p:extLst>
+  </p:cSld>
+  <p:clrMapOvr>
+    <a:masterClrMapping/>
+  </p:clrMapOvr>
+</p:sld>
+</file>
+
+<file path=ppt/slides/slide19.xml><?xml version="1.0" encoding="utf-8"?>
+<p:sld xmlns:a="http://schemas.openxmlformats.org/drawingml/2006/main" xmlns:r="http://schemas.openxmlformats.org/officeDocument/2006/relationships" xmlns:p="http://schemas.openxmlformats.org/presentationml/2006/main">
+  <p:cSld>
+    <p:spTree>
+      <p:nvGrpSpPr>
+        <p:cNvPr id="1" name=""/>
+        <p:cNvGrpSpPr/>
+        <p:nvPr/>
+      </p:nvGrpSpPr>
+      <p:grpSpPr>
+        <a:xfrm>
+          <a:off x="0" y="0"/>
+          <a:ext cx="0" cy="0"/>
+          <a:chOff x="0" y="0"/>
+          <a:chExt cx="0" cy="0"/>
+        </a:xfrm>
+      </p:grpSpPr>
+      <p:sp>
+        <p:nvSpPr>
+          <p:cNvPr id="2" name="Title 1"/>
+          <p:cNvSpPr>
+            <a:spLocks noGrp="1"/>
+          </p:cNvSpPr>
+          <p:nvPr>
+            <p:ph type="title"/>
+          </p:nvPr>
+        </p:nvSpPr>
+        <p:spPr/>
+        <p:txBody>
+          <a:bodyPr/>
+          <a:lstStyle/>
+          <a:p>
+            <a:r>
+              <a:rPr lang="en-US" dirty="0" smtClean="0"/>
+              <a:t>Questions?</a:t>
+            </a:r>
+            <a:endParaRPr lang="en-US" dirty="0"/>
+          </a:p>
+        </p:txBody>
+      </p:sp>
+      <p:sp>
+        <p:nvSpPr>
+          <p:cNvPr id="3" name="Content Placeholder 2"/>
+          <p:cNvSpPr>
+            <a:spLocks noGrp="1"/>
+          </p:cNvSpPr>
+          <p:nvPr>
+            <p:ph idx="1"/>
+          </p:nvPr>
+        </p:nvSpPr>
+        <p:spPr/>
+        <p:txBody>
+          <a:bodyPr/>
+          <a:lstStyle/>
+          <a:p>
+            <a:r>
+              <a:rPr lang="en-US" dirty="0" smtClean="0"/>
+              <a:t>Ask your TA’s during the lab session</a:t>
+            </a:r>
+          </a:p>
+          <a:p>
+            <a:r>
+              <a:rPr lang="en-US" dirty="0" smtClean="0"/>
+              <a:t>Create an issue on GitHub and assign your TA’s + </a:t>
+            </a:r>
+            <a:r>
+              <a:rPr lang="en-US" dirty="0" err="1" smtClean="0"/>
+              <a:t>BrianSetz</a:t>
+            </a:r>
+            <a:endParaRPr lang="en-US" dirty="0"/>
+          </a:p>
+        </p:txBody>
+      </p:sp>
+    </p:spTree>
+    <p:extLst>
+      <p:ext uri="{BB962C8B-B14F-4D97-AF65-F5344CB8AC3E}">
+        <p14:creationId xmlns:p14="http://schemas.microsoft.com/office/powerpoint/2010/main" val="3975299360"/>
       </p:ext>
     </p:extLst>
   </p:cSld>
@@ -4870,7 +5799,7 @@
         <p:spPr/>
         <p:txBody>
           <a:bodyPr>
-            <a:normAutofit/>
+            <a:normAutofit lnSpcReduction="10000"/>
           </a:bodyPr>
           <a:lstStyle/>
           <a:p>
@@ -4913,9 +5842,26 @@
           <a:p>
             <a:pPr lvl="2"/>
             <a:r>
-              <a:rPr lang="en-US" dirty="0" smtClean="0"/>
-              <a:t>Your program is expected to run on a cluster for the final demo</a:t>
-            </a:r>
+              <a:rPr lang="en-US" u="sng" dirty="0" smtClean="0"/>
+              <a:t>Your program is expected to run on a cluster for the final </a:t>
+            </a:r>
+            <a:r>
+              <a:rPr lang="en-US" u="sng" dirty="0" smtClean="0"/>
+              <a:t>demo</a:t>
+            </a:r>
+            <a:r>
+              <a:rPr lang="en-US" dirty="0" smtClean="0"/>
+              <a:t>, preferably using </a:t>
+            </a:r>
+            <a:r>
+              <a:rPr lang="en-NL" dirty="0" smtClean="0"/>
+              <a:t>–</a:t>
+            </a:r>
+            <a:r>
+              <a:rPr lang="en-US" dirty="0" smtClean="0"/>
+              <a:t>deploy-mode cluster</a:t>
+            </a:r>
+            <a:endParaRPr lang="en-US" dirty="0" smtClean="0"/>
           </a:p>
           <a:p>
             <a:pPr lvl="1"/>
@@ -5097,7 +6043,9 @@
         </p:nvSpPr>
         <p:spPr/>
         <p:txBody>
-          <a:bodyPr/>
+          <a:bodyPr>
+            <a:normAutofit fontScale="92500"/>
+          </a:bodyPr>
           <a:lstStyle/>
           <a:p>
             <a:r>
@@ -5139,7 +6087,15 @@
             <a:pPr lvl="1"/>
             <a:r>
               <a:rPr lang="en-GB" dirty="0" smtClean="0"/>
-              <a:t>Driver, Workers, and Cluster Manager must be able to communicate via the network</a:t>
+              <a:t>Driver, </a:t>
+            </a:r>
+            <a:r>
+              <a:rPr lang="en-GB" dirty="0" smtClean="0"/>
+              <a:t>Workers (slave), </a:t>
+            </a:r>
+            <a:r>
+              <a:rPr lang="en-GB" dirty="0" smtClean="0"/>
+              <a:t>and Cluster Manager must be able to communicate via the network</a:t>
             </a:r>
             <a:endParaRPr lang="en-GB" dirty="0"/>
           </a:p>
@@ -5168,8 +6124,53 @@
             </a:r>
             <a:r>
               <a:rPr lang="en-GB" dirty="0" smtClean="0"/>
-              <a:t>, driver can be on your machine or on the cluster</a:t>
-            </a:r>
+              <a:t>, driver can be on your machine or on the </a:t>
+            </a:r>
+            <a:r>
+              <a:rPr lang="en-GB" dirty="0" smtClean="0"/>
+              <a:t>cluster</a:t>
+            </a:r>
+          </a:p>
+          <a:p>
+            <a:pPr lvl="1"/>
+            <a:r>
+              <a:rPr lang="en-GB" dirty="0" smtClean="0"/>
+              <a:t>deploy-mode client </a:t>
+            </a:r>
+            <a:r>
+              <a:rPr lang="en-NL" dirty="0" smtClean="0">
+                <a:sym typeface="Wingdings" panose="05000000000000000000" pitchFamily="2" charset="2"/>
+              </a:rPr>
+              <a:t></a:t>
+            </a:r>
+            <a:r>
+              <a:rPr lang="en-US" dirty="0" smtClean="0">
+                <a:sym typeface="Wingdings" panose="05000000000000000000" pitchFamily="2" charset="2"/>
+              </a:rPr>
+              <a:t> runs driver on your machine</a:t>
+            </a:r>
+          </a:p>
+          <a:p>
+            <a:pPr lvl="1"/>
+            <a:r>
+              <a:rPr lang="en-US" dirty="0" smtClean="0">
+                <a:sym typeface="Wingdings" panose="05000000000000000000" pitchFamily="2" charset="2"/>
+              </a:rPr>
+              <a:t>deploy-mode cluster </a:t>
+            </a:r>
+            <a:r>
+              <a:rPr lang="en-NL" dirty="0" smtClean="0">
+                <a:sym typeface="Wingdings" panose="05000000000000000000" pitchFamily="2" charset="2"/>
+              </a:rPr>
+              <a:t></a:t>
+            </a:r>
+            <a:r>
+              <a:rPr lang="en-US" dirty="0" smtClean="0">
+                <a:sym typeface="Wingdings" panose="05000000000000000000" pitchFamily="2" charset="2"/>
+              </a:rPr>
+              <a:t> runs driver on the cluster </a:t>
+            </a:r>
+            <a:endParaRPr lang="en-GB" dirty="0" smtClean="0"/>
           </a:p>
           <a:p>
             <a:r>
@@ -5399,7 +6400,7 @@
         <p:spPr/>
         <p:txBody>
           <a:bodyPr>
-            <a:normAutofit fontScale="92500" lnSpcReduction="10000"/>
+            <a:normAutofit lnSpcReduction="10000"/>
           </a:bodyPr>
           <a:lstStyle/>
           <a:p>
@@ -5431,11 +6432,7 @@
           <a:p>
             <a:r>
               <a:rPr lang="en-US" dirty="0" smtClean="0"/>
-              <a:t>Install </a:t>
-            </a:r>
-            <a:r>
-              <a:rPr lang="en-US" dirty="0" smtClean="0"/>
-              <a:t>IntelliJ </a:t>
+              <a:t>Install IntelliJ </a:t>
             </a:r>
             <a:r>
               <a:rPr lang="en-US" b="1" u="sng" dirty="0" smtClean="0"/>
@@ -5466,45 +6463,37 @@
             <a:pPr lvl="1"/>
             <a:r>
               <a:rPr lang="en-US" dirty="0" smtClean="0"/>
-              <a:t>Register for a free ultimate edition using your educational e-mail </a:t>
-            </a:r>
-            <a:r>
-              <a:rPr lang="en-US" dirty="0" smtClean="0"/>
-              <a:t>address</a:t>
-            </a:r>
-          </a:p>
-          <a:p>
-            <a:pPr lvl="1"/>
-            <a:r>
-              <a:rPr lang="en-US" dirty="0" smtClean="0"/>
-              <a:t>Make sure to install the Scala Plugin in IntelliJ</a:t>
+              <a:t>Register for a free ultimate edition using your educational e-mail address</a:t>
+            </a:r>
+          </a:p>
+          <a:p>
+            <a:pPr lvl="1"/>
+            <a:r>
+              <a:rPr lang="en-US" dirty="0" smtClean="0"/>
+              <a:t>Make sure to install the Scala Plugin in </a:t>
+            </a:r>
+            <a:r>
+              <a:rPr lang="en-US" dirty="0" smtClean="0"/>
+              <a:t>IntelliJ</a:t>
+            </a:r>
+          </a:p>
+          <a:p>
+            <a:r>
+              <a:rPr lang="en-US" dirty="0" smtClean="0"/>
+              <a:t>Install </a:t>
+            </a:r>
+            <a:r>
+              <a:rPr lang="en-US" dirty="0" err="1" smtClean="0"/>
+              <a:t>sbt</a:t>
+            </a:r>
+            <a:r>
+              <a:rPr lang="en-US" dirty="0" smtClean="0"/>
+              <a:t> (so it is available from the command line)</a:t>
             </a:r>
             <a:endParaRPr lang="en-US" dirty="0"/>
           </a:p>
           <a:p>
-            <a:r>
-              <a:rPr lang="en-US" dirty="0" smtClean="0"/>
-              <a:t>Clone the Spark </a:t>
-            </a:r>
-            <a:r>
-              <a:rPr lang="en-US" dirty="0" err="1" smtClean="0"/>
-              <a:t>bootcamp</a:t>
-            </a:r>
-            <a:r>
-              <a:rPr lang="en-US" dirty="0" smtClean="0"/>
-              <a:t> repository</a:t>
-            </a:r>
-          </a:p>
-          <a:p>
-            <a:pPr lvl="1"/>
-            <a:r>
-              <a:rPr lang="en-US" dirty="0" smtClean="0"/>
-              <a:t>GitHub repo</a:t>
-            </a:r>
-            <a:r>
-              <a:rPr lang="en-US" dirty="0"/>
-              <a:t>: </a:t>
-            </a:r>
+            <a:pPr lvl="2"/>
             <a:r>
               <a:rPr lang="en-US" dirty="0">
                 <a:hlinkClick r:id="rId4"/>
@@ -5515,101 +6504,26 @@
               <a:rPr lang="en-US" dirty="0" smtClean="0">
                 <a:hlinkClick r:id="rId4"/>
               </a:rPr>
-              <a:t>github.com/BrianSetz/spark-bootcamp</a:t>
+              <a:t>www.scala-sbt.org/download.html</a:t>
             </a:r>
             <a:r>
               <a:rPr lang="en-US" dirty="0" smtClean="0"/>
               <a:t> </a:t>
             </a:r>
-          </a:p>
-          <a:p>
-            <a:pPr lvl="1"/>
-            <a:r>
-              <a:rPr lang="en-US" dirty="0" smtClean="0"/>
-              <a:t>Import the project as an </a:t>
-            </a:r>
-            <a:r>
-              <a:rPr lang="en-US" b="1" dirty="0" err="1" smtClean="0"/>
-              <a:t>sbt</a:t>
-            </a:r>
-            <a:r>
-              <a:rPr lang="en-US" b="1" dirty="0" smtClean="0"/>
-              <a:t> project</a:t>
-            </a:r>
-            <a:r>
-              <a:rPr lang="en-US" dirty="0" smtClean="0"/>
-              <a:t>, import will take a while (indexing is last step)</a:t>
-            </a:r>
-          </a:p>
-          <a:p>
-            <a:pPr lvl="1"/>
-            <a:r>
-              <a:rPr lang="en-GB" dirty="0" smtClean="0"/>
-              <a:t>Run</a:t>
-            </a:r>
-            <a:r>
-              <a:rPr lang="en-GB" dirty="0"/>
-              <a:t>: </a:t>
-            </a:r>
-            <a:r>
-              <a:rPr lang="en-GB" u="sng" dirty="0" err="1" smtClean="0"/>
-              <a:t>SparkExampleMain</a:t>
-            </a:r>
-            <a:r>
-              <a:rPr lang="en-GB" dirty="0"/>
-              <a:t> </a:t>
-            </a:r>
-            <a:r>
-              <a:rPr lang="en-GB" dirty="0" smtClean="0"/>
-              <a:t>(in </a:t>
-            </a:r>
-            <a:r>
-              <a:rPr lang="en-GB" dirty="0" err="1" smtClean="0"/>
-              <a:t>src</a:t>
-            </a:r>
-            <a:r>
-              <a:rPr lang="en-GB" dirty="0" smtClean="0"/>
-              <a:t>/main/</a:t>
-            </a:r>
-            <a:r>
-              <a:rPr lang="en-GB" dirty="0" err="1" smtClean="0"/>
-              <a:t>scala</a:t>
-            </a:r>
-            <a:r>
-              <a:rPr lang="en-GB" dirty="0" smtClean="0"/>
-              <a:t>/</a:t>
-            </a:r>
-            <a:r>
-              <a:rPr lang="en-GB" dirty="0" err="1" smtClean="0"/>
-              <a:t>nl</a:t>
-            </a:r>
-            <a:r>
-              <a:rPr lang="en-GB" dirty="0" smtClean="0"/>
-              <a:t>/rug/</a:t>
-            </a:r>
-            <a:r>
-              <a:rPr lang="en-GB" dirty="0" err="1" smtClean="0"/>
-              <a:t>sc</a:t>
-            </a:r>
-            <a:r>
-              <a:rPr lang="en-GB" dirty="0" smtClean="0"/>
-              <a:t>/app), follow instructions in the console, and explore the code</a:t>
-            </a:r>
-            <a:endParaRPr lang="en-US" u="sng" dirty="0" smtClean="0"/>
-          </a:p>
-          <a:p>
-            <a:pPr lvl="1"/>
-            <a:r>
-              <a:rPr lang="en-US" b="1" dirty="0" smtClean="0"/>
-              <a:t>Note</a:t>
-            </a:r>
-            <a:r>
-              <a:rPr lang="en-US" dirty="0" smtClean="0"/>
-              <a:t>: Spark is only compatible with Scala 2.11.x or 2.10.x. Using 2.12.x will fail!</a:t>
-            </a:r>
-          </a:p>
-          <a:p>
-            <a:pPr lvl="1"/>
+            <a:endParaRPr lang="en-US" dirty="0" smtClean="0"/>
+          </a:p>
+          <a:p>
+            <a:r>
+              <a:rPr lang="en-US" dirty="0" smtClean="0"/>
+              <a:t>Download Spark</a:t>
+            </a:r>
+          </a:p>
+          <a:p>
+            <a:pPr lvl="1"/>
+            <a:r>
+              <a:rPr lang="en-US" dirty="0" smtClean="0"/>
+              <a:t>Set the SPARK_HOME environment variable</a:t>
+            </a:r>
             <a:endParaRPr lang="en-US" dirty="0" smtClean="0"/>
           </a:p>
         </p:txBody>
@@ -5667,15 +6581,15 @@
           <a:lstStyle/>
           <a:p>
             <a:r>
-              <a:rPr lang="en-GB" dirty="0" smtClean="0"/>
+              <a:rPr lang="en-US" dirty="0" smtClean="0"/>
               <a:t>Spark </a:t>
             </a:r>
             <a:r>
-              <a:rPr lang="en-GB" dirty="0" err="1" smtClean="0"/>
+              <a:rPr lang="en-US" dirty="0" err="1" smtClean="0"/>
               <a:t>Bootcamp</a:t>
             </a:r>
             <a:r>
-              <a:rPr lang="en-GB" dirty="0" smtClean="0"/>
+              <a:rPr lang="en-US" dirty="0" smtClean="0"/>
               <a:t> Project</a:t>
             </a:r>
             <a:endParaRPr lang="en-US" dirty="0"/>
@@ -5694,88 +6608,156 @@
         </p:nvSpPr>
         <p:spPr/>
         <p:txBody>
-          <a:bodyPr/>
-          <a:lstStyle/>
-          <a:p>
-            <a:r>
-              <a:rPr lang="en-GB" dirty="0" smtClean="0"/>
-              <a:t>The Spark </a:t>
-            </a:r>
-            <a:r>
-              <a:rPr lang="en-GB" dirty="0" err="1" smtClean="0"/>
+          <a:bodyPr>
+            <a:normAutofit lnSpcReduction="10000"/>
+          </a:bodyPr>
+          <a:lstStyle/>
+          <a:p>
+            <a:r>
+              <a:rPr lang="en-US" dirty="0"/>
+              <a:t>Clone the Spark </a:t>
+            </a:r>
+            <a:r>
+              <a:rPr lang="en-US" dirty="0" err="1"/>
               <a:t>bootcamp</a:t>
             </a:r>
             <a:r>
-              <a:rPr lang="en-GB" dirty="0" smtClean="0"/>
-              <a:t> project shows how to use Spark</a:t>
-            </a:r>
-          </a:p>
-          <a:p>
-            <a:pPr lvl="1"/>
-            <a:r>
-              <a:rPr lang="en-GB" dirty="0" smtClean="0"/>
-              <a:t>Comments can be found in the files that explain every step</a:t>
-            </a:r>
-          </a:p>
-          <a:p>
-            <a:r>
-              <a:rPr lang="en-GB" dirty="0" smtClean="0"/>
-              <a:t>The project demonstrates:</a:t>
-            </a:r>
-          </a:p>
-          <a:p>
-            <a:pPr lvl="1"/>
-            <a:r>
-              <a:rPr lang="en-GB" dirty="0" smtClean="0"/>
-              <a:t>Basic RDD’s</a:t>
-            </a:r>
-          </a:p>
-          <a:p>
-            <a:pPr lvl="1"/>
-            <a:r>
-              <a:rPr lang="en-GB" dirty="0" smtClean="0"/>
-              <a:t>Basic </a:t>
-            </a:r>
-            <a:r>
-              <a:rPr lang="en-GB" dirty="0" err="1" smtClean="0"/>
-              <a:t>DataFrames</a:t>
-            </a:r>
-            <a:endParaRPr lang="en-GB" dirty="0" smtClean="0"/>
-          </a:p>
-          <a:p>
-            <a:pPr lvl="1"/>
-            <a:r>
-              <a:rPr lang="en-GB" dirty="0" smtClean="0"/>
-              <a:t>Basic </a:t>
-            </a:r>
-            <a:r>
-              <a:rPr lang="en-GB" dirty="0" err="1" smtClean="0"/>
-              <a:t>DataSets</a:t>
-            </a:r>
-            <a:endParaRPr lang="en-GB" dirty="0" smtClean="0"/>
-          </a:p>
-          <a:p>
-            <a:pPr lvl="1"/>
-            <a:r>
-              <a:rPr lang="en-GB" dirty="0" smtClean="0"/>
-              <a:t>Advanced </a:t>
-            </a:r>
-            <a:r>
-              <a:rPr lang="en-GB" dirty="0" err="1" smtClean="0"/>
-              <a:t>DataSets</a:t>
-            </a:r>
-            <a:endParaRPr lang="en-GB" dirty="0" smtClean="0"/>
-          </a:p>
-          <a:p>
-            <a:pPr lvl="1"/>
-            <a:r>
-              <a:rPr lang="en-GB" dirty="0" smtClean="0"/>
-              <a:t>Realistic example using </a:t>
-            </a:r>
-            <a:r>
-              <a:rPr lang="en-GB" dirty="0" err="1" smtClean="0"/>
-              <a:t>DataSets</a:t>
-            </a:r>
+              <a:rPr lang="en-US" dirty="0"/>
+              <a:t> repository</a:t>
+            </a:r>
+          </a:p>
+          <a:p>
+            <a:pPr lvl="1"/>
+            <a:r>
+              <a:rPr lang="en-US" dirty="0"/>
+              <a:t>GitHub repo: </a:t>
+            </a:r>
+            <a:r>
+              <a:rPr lang="en-US" dirty="0">
+                <a:hlinkClick r:id="rId2"/>
+              </a:rPr>
+              <a:t>https://github.com/BrianSetz/spark-bootcamp</a:t>
+            </a:r>
+            <a:r>
+              <a:rPr lang="en-US" dirty="0"/>
+              <a:t> </a:t>
+            </a:r>
+          </a:p>
+          <a:p>
+            <a:pPr lvl="1"/>
+            <a:r>
+              <a:rPr lang="en-US" dirty="0"/>
+              <a:t>Import the project as an </a:t>
+            </a:r>
+            <a:r>
+              <a:rPr lang="en-US" b="1" dirty="0" err="1"/>
+              <a:t>sbt</a:t>
+            </a:r>
+            <a:r>
+              <a:rPr lang="en-US" b="1" dirty="0"/>
+              <a:t> project</a:t>
+            </a:r>
+            <a:r>
+              <a:rPr lang="en-US" dirty="0"/>
+              <a:t>, import will take a while (indexing is last step)</a:t>
+            </a:r>
+          </a:p>
+          <a:p>
+            <a:pPr lvl="1"/>
+            <a:r>
+              <a:rPr lang="en-GB" dirty="0"/>
+              <a:t>Run: </a:t>
+            </a:r>
+            <a:r>
+              <a:rPr lang="en-GB" u="sng" dirty="0" err="1"/>
+              <a:t>SparkLocalMain</a:t>
+            </a:r>
+            <a:r>
+              <a:rPr lang="en-GB" dirty="0"/>
+              <a:t> (in </a:t>
+            </a:r>
+            <a:r>
+              <a:rPr lang="en-GB" dirty="0" err="1"/>
+              <a:t>src</a:t>
+            </a:r>
+            <a:r>
+              <a:rPr lang="en-GB" dirty="0"/>
+              <a:t>/main/</a:t>
+            </a:r>
+            <a:r>
+              <a:rPr lang="en-GB" dirty="0" err="1"/>
+              <a:t>scala</a:t>
+            </a:r>
+            <a:r>
+              <a:rPr lang="en-GB" dirty="0"/>
+              <a:t>/</a:t>
+            </a:r>
+            <a:r>
+              <a:rPr lang="en-GB" dirty="0" err="1"/>
+              <a:t>nl</a:t>
+            </a:r>
+            <a:r>
+              <a:rPr lang="en-GB" dirty="0"/>
+              <a:t>/rug/</a:t>
+            </a:r>
+            <a:r>
+              <a:rPr lang="en-GB" dirty="0" err="1"/>
+              <a:t>sc</a:t>
+            </a:r>
+            <a:r>
+              <a:rPr lang="en-GB" dirty="0"/>
+              <a:t>/app), follow instructions in the console, and explore the code</a:t>
+            </a:r>
+            <a:endParaRPr lang="en-US" u="sng" dirty="0"/>
+          </a:p>
+          <a:p>
+            <a:pPr lvl="1"/>
+            <a:r>
+              <a:rPr lang="en-US" b="1" dirty="0"/>
+              <a:t>Note</a:t>
+            </a:r>
+            <a:r>
+              <a:rPr lang="en-US" dirty="0"/>
+              <a:t>: Spark is only compatible with Scala 2.11.x or 2.10.x. Using 2.12.x will fail</a:t>
+            </a:r>
+            <a:r>
+              <a:rPr lang="en-US" dirty="0" smtClean="0"/>
+              <a:t>!</a:t>
+            </a:r>
+          </a:p>
+          <a:p>
+            <a:pPr lvl="1"/>
+            <a:endParaRPr lang="en-US" dirty="0" smtClean="0"/>
+          </a:p>
+          <a:p>
+            <a:r>
+              <a:rPr lang="en-US" dirty="0" err="1" smtClean="0"/>
+              <a:t>SparkLocalMain</a:t>
+            </a:r>
+            <a:r>
+              <a:rPr lang="en-US" dirty="0" smtClean="0"/>
+              <a:t> runs the project on your local machine, creating a local cluster with as many workers as you have CPU cores.</a:t>
+            </a:r>
+          </a:p>
+          <a:p>
+            <a:endParaRPr lang="en-US" dirty="0"/>
+          </a:p>
+          <a:p>
+            <a:r>
+              <a:rPr lang="en-US" dirty="0" smtClean="0"/>
+              <a:t>There is also </a:t>
+            </a:r>
+            <a:r>
+              <a:rPr lang="en-US" dirty="0" err="1" smtClean="0"/>
+              <a:t>SparkSubmitMain</a:t>
+            </a:r>
+            <a:r>
+              <a:rPr lang="en-US" dirty="0" smtClean="0"/>
+              <a:t> which runs remotely and will be explained later</a:t>
+            </a:r>
+            <a:endParaRPr lang="en-US" dirty="0"/>
+          </a:p>
+          <a:p>
             <a:endParaRPr lang="en-US" dirty="0"/>
           </a:p>
         </p:txBody>
@@ -5783,7 +6765,7 @@
     </p:spTree>
     <p:extLst>
       <p:ext uri="{BB962C8B-B14F-4D97-AF65-F5344CB8AC3E}">
-        <p14:creationId xmlns:p14="http://schemas.microsoft.com/office/powerpoint/2010/main" val="962349213"/>
+        <p14:creationId xmlns:p14="http://schemas.microsoft.com/office/powerpoint/2010/main" val="3779839142"/>
       </p:ext>
     </p:extLst>
   </p:cSld>
@@ -5835,7 +6817,11 @@
             </a:r>
             <a:r>
               <a:rPr lang="en-GB" dirty="0" smtClean="0"/>
-              <a:t> Project II</a:t>
+              <a:t> </a:t>
+            </a:r>
+            <a:r>
+              <a:rPr lang="en-GB" dirty="0" smtClean="0"/>
+              <a:t>Project II</a:t>
             </a:r>
             <a:endParaRPr lang="en-US" dirty="0"/>
           </a:p>
@@ -5853,92 +6839,122 @@
         </p:nvSpPr>
         <p:spPr/>
         <p:txBody>
-          <a:bodyPr/>
-          <a:lstStyle/>
-          <a:p>
-            <a:r>
-              <a:rPr lang="en-GB" dirty="0" smtClean="0"/>
-              <a:t>The project only demonstrates how to use Spark Local</a:t>
-            </a:r>
-          </a:p>
-          <a:p>
-            <a:r>
-              <a:rPr lang="en-GB" dirty="0" smtClean="0"/>
-              <a:t>Algorithms you write for Spark Local will also work on Spark Cluster</a:t>
-            </a:r>
-          </a:p>
-          <a:p>
-            <a:pPr lvl="1"/>
-            <a:r>
-              <a:rPr lang="en-GB" dirty="0" smtClean="0"/>
-              <a:t>Note: think about how to access your data, for example when deploying to a remote cluster, all workers need to be able to access the data. This means using a distributed file storage (DFS) or (no)SQL database.</a:t>
-            </a:r>
+          <a:bodyPr>
+            <a:normAutofit fontScale="92500" lnSpcReduction="10000"/>
+          </a:bodyPr>
+          <a:lstStyle/>
+          <a:p>
+            <a:r>
+              <a:rPr lang="en-GB" dirty="0" smtClean="0"/>
+              <a:t>The Spark </a:t>
+            </a:r>
+            <a:r>
+              <a:rPr lang="en-GB" dirty="0" err="1" smtClean="0"/>
+              <a:t>bootcamp</a:t>
+            </a:r>
+            <a:r>
+              <a:rPr lang="en-GB" dirty="0" smtClean="0"/>
+              <a:t> project shows how to use Spark</a:t>
+            </a:r>
+          </a:p>
+          <a:p>
+            <a:pPr lvl="1"/>
+            <a:r>
+              <a:rPr lang="en-GB" dirty="0" smtClean="0"/>
+              <a:t>Comments can be found in the files that explain every step</a:t>
+            </a:r>
+          </a:p>
+          <a:p>
+            <a:r>
+              <a:rPr lang="en-GB" dirty="0" smtClean="0"/>
+              <a:t>The project demonstrates:</a:t>
+            </a:r>
+          </a:p>
+          <a:p>
+            <a:pPr lvl="1"/>
+            <a:r>
+              <a:rPr lang="en-GB" dirty="0" smtClean="0"/>
+              <a:t>Basic RDD’s</a:t>
+            </a:r>
+          </a:p>
+          <a:p>
+            <a:pPr lvl="1"/>
+            <a:r>
+              <a:rPr lang="en-GB" dirty="0" smtClean="0"/>
+              <a:t>Basic </a:t>
+            </a:r>
+            <a:r>
+              <a:rPr lang="en-GB" dirty="0" err="1" smtClean="0"/>
+              <a:t>DataFrames</a:t>
+            </a:r>
+            <a:endParaRPr lang="en-GB" dirty="0" smtClean="0"/>
+          </a:p>
+          <a:p>
+            <a:pPr lvl="1"/>
+            <a:r>
+              <a:rPr lang="en-GB" dirty="0" smtClean="0"/>
+              <a:t>Basic </a:t>
+            </a:r>
+            <a:r>
+              <a:rPr lang="en-GB" dirty="0" err="1" smtClean="0"/>
+              <a:t>DataSets</a:t>
+            </a:r>
+            <a:endParaRPr lang="en-GB" dirty="0" smtClean="0"/>
+          </a:p>
+          <a:p>
+            <a:pPr lvl="1"/>
+            <a:r>
+              <a:rPr lang="en-GB" dirty="0" smtClean="0"/>
+              <a:t>Advanced </a:t>
+            </a:r>
+            <a:r>
+              <a:rPr lang="en-GB" dirty="0" err="1" smtClean="0"/>
+              <a:t>DataSets</a:t>
+            </a:r>
+            <a:endParaRPr lang="en-GB" dirty="0" smtClean="0"/>
+          </a:p>
+          <a:p>
+            <a:pPr lvl="1"/>
+            <a:r>
+              <a:rPr lang="en-GB" dirty="0" smtClean="0"/>
+              <a:t>Realistic example using </a:t>
+            </a:r>
+            <a:r>
+              <a:rPr lang="en-GB" dirty="0" err="1" smtClean="0"/>
+              <a:t>DataSets</a:t>
+            </a:r>
+            <a:endParaRPr lang="en-GB" dirty="0" smtClean="0"/>
+          </a:p>
+          <a:p>
+            <a:pPr lvl="1"/>
             <a:endParaRPr lang="en-GB" dirty="0"/>
           </a:p>
           <a:p>
             <a:r>
               <a:rPr lang="en-GB" dirty="0" smtClean="0"/>
-              <a:t>There are many ways you can connect your Spark application to a database / data source. The project shows one: reading from CSV.</a:t>
-            </a:r>
-          </a:p>
-          <a:p>
-            <a:pPr lvl="1"/>
-            <a:r>
-              <a:rPr lang="en-GB" dirty="0"/>
-              <a:t>Cassandra connector: </a:t>
-            </a:r>
-            <a:r>
-              <a:rPr lang="en-GB" dirty="0">
-                <a:hlinkClick r:id="rId2"/>
-              </a:rPr>
-              <a:t>https://</a:t>
-            </a:r>
-            <a:r>
-              <a:rPr lang="en-GB" dirty="0" smtClean="0">
-                <a:hlinkClick r:id="rId2"/>
-              </a:rPr>
-              <a:t>github.com/datastax/spark-cassandra-connector</a:t>
-            </a:r>
-            <a:r>
-              <a:rPr lang="en-GB" dirty="0" smtClean="0"/>
-              <a:t> </a:t>
-            </a:r>
-          </a:p>
-          <a:p>
-            <a:pPr lvl="1"/>
-            <a:r>
-              <a:rPr lang="en-GB" dirty="0" smtClean="0"/>
-              <a:t>Built-in JDBC connector</a:t>
-            </a:r>
-          </a:p>
-          <a:p>
-            <a:pPr lvl="1"/>
-            <a:r>
-              <a:rPr lang="en-GB" dirty="0"/>
-              <a:t>MongoDB connector: </a:t>
-            </a:r>
-            <a:r>
-              <a:rPr lang="en-GB" dirty="0">
-                <a:hlinkClick r:id="rId3"/>
-              </a:rPr>
-              <a:t>https://</a:t>
-            </a:r>
-            <a:r>
-              <a:rPr lang="en-GB" dirty="0" smtClean="0">
-                <a:hlinkClick r:id="rId3"/>
-              </a:rPr>
-              <a:t>github.com/mongodb/mongo-spark</a:t>
-            </a:r>
-            <a:r>
-              <a:rPr lang="en-GB" dirty="0" smtClean="0"/>
-              <a:t> </a:t>
-            </a:r>
-          </a:p>
-          <a:p>
-            <a:pPr lvl="1"/>
-            <a:r>
-              <a:rPr lang="en-GB" dirty="0" smtClean="0"/>
-              <a:t>Many more</a:t>
+              <a:t>These examples are demonstrated on a local cluster and a remote cluster</a:t>
+            </a:r>
+          </a:p>
+          <a:p>
+            <a:pPr lvl="1"/>
+            <a:r>
+              <a:rPr lang="en-GB" dirty="0" err="1" smtClean="0"/>
+              <a:t>SparkLocalMain</a:t>
+            </a:r>
+            <a:r>
+              <a:rPr lang="en-GB" dirty="0" smtClean="0"/>
+              <a:t> (run on your local machine)</a:t>
+            </a:r>
+          </a:p>
+          <a:p>
+            <a:pPr lvl="1"/>
+            <a:r>
+              <a:rPr lang="en-GB" dirty="0" err="1" smtClean="0"/>
+              <a:t>SparkSubmitMain</a:t>
+            </a:r>
+            <a:r>
+              <a:rPr lang="en-GB" dirty="0" smtClean="0"/>
+              <a:t>  (send to cluster using spark-submit)</a:t>
             </a:r>
             <a:endParaRPr lang="en-US" dirty="0"/>
           </a:p>
@@ -5947,7 +6963,7 @@
     </p:spTree>
     <p:extLst>
       <p:ext uri="{BB962C8B-B14F-4D97-AF65-F5344CB8AC3E}">
-        <p14:creationId xmlns:p14="http://schemas.microsoft.com/office/powerpoint/2010/main" val="3169017773"/>
+        <p14:creationId xmlns:p14="http://schemas.microsoft.com/office/powerpoint/2010/main" val="962349213"/>
       </p:ext>
     </p:extLst>
   </p:cSld>

--- a/slides/Apache Spark Bootcamp.pptx
+++ b/slides/Apache Spark Bootcamp.pptx
@@ -5,7 +5,7 @@
     <p:sldMasterId id="2147483689" r:id="rId1"/>
   </p:sldMasterIdLst>
   <p:notesMasterIdLst>
-    <p:notesMasterId r:id="rId21"/>
+    <p:notesMasterId r:id="rId22"/>
   </p:notesMasterIdLst>
   <p:sldIdLst>
     <p:sldId id="256" r:id="rId2"/>
@@ -26,7 +26,8 @@
     <p:sldId id="260" r:id="rId17"/>
     <p:sldId id="267" r:id="rId18"/>
     <p:sldId id="268" r:id="rId19"/>
-    <p:sldId id="273" r:id="rId20"/>
+    <p:sldId id="275" r:id="rId20"/>
+    <p:sldId id="273" r:id="rId21"/>
   </p:sldIdLst>
   <p:sldSz cx="12192000" cy="6858000"/>
   <p:notesSz cx="6858000" cy="9144000"/>
@@ -215,7 +216,7 @@
           <a:p>
             <a:fld id="{AA139F5D-FCEB-4534-99AC-8CD0F9E0A06F}" type="datetimeFigureOut">
               <a:rPr lang="en-US" smtClean="0"/>
-              <a:t>2/12/2018</a:t>
+              <a:t>2/13/2018</a:t>
             </a:fld>
             <a:endParaRPr lang="en-US"/>
           </a:p>
@@ -679,7 +680,7 @@
           <a:p>
             <a:fld id="{E633BF23-5A0D-4140-8F65-2D6DFEB09403}" type="datetimeFigureOut">
               <a:rPr lang="en-US" smtClean="0"/>
-              <a:t>2/12/2018</a:t>
+              <a:t>2/13/2018</a:t>
             </a:fld>
             <a:endParaRPr lang="en-US"/>
           </a:p>
@@ -900,7 +901,7 @@
           <a:p>
             <a:fld id="{E633BF23-5A0D-4140-8F65-2D6DFEB09403}" type="datetimeFigureOut">
               <a:rPr lang="en-US" smtClean="0"/>
-              <a:t>2/12/2018</a:t>
+              <a:t>2/13/2018</a:t>
             </a:fld>
             <a:endParaRPr lang="en-US"/>
           </a:p>
@@ -1080,7 +1081,7 @@
           <a:p>
             <a:fld id="{E633BF23-5A0D-4140-8F65-2D6DFEB09403}" type="datetimeFigureOut">
               <a:rPr lang="en-US" smtClean="0"/>
-              <a:t>2/12/2018</a:t>
+              <a:t>2/13/2018</a:t>
             </a:fld>
             <a:endParaRPr lang="en-US"/>
           </a:p>
@@ -1250,7 +1251,7 @@
           <a:p>
             <a:fld id="{E633BF23-5A0D-4140-8F65-2D6DFEB09403}" type="datetimeFigureOut">
               <a:rPr lang="en-US" smtClean="0"/>
-              <a:t>2/12/2018</a:t>
+              <a:t>2/13/2018</a:t>
             </a:fld>
             <a:endParaRPr lang="en-US"/>
           </a:p>
@@ -1501,7 +1502,7 @@
           <a:p>
             <a:fld id="{E633BF23-5A0D-4140-8F65-2D6DFEB09403}" type="datetimeFigureOut">
               <a:rPr lang="en-US" smtClean="0"/>
-              <a:t>2/12/2018</a:t>
+              <a:t>2/13/2018</a:t>
             </a:fld>
             <a:endParaRPr lang="en-US"/>
           </a:p>
@@ -1824,7 +1825,7 @@
           <a:p>
             <a:fld id="{E633BF23-5A0D-4140-8F65-2D6DFEB09403}" type="datetimeFigureOut">
               <a:rPr lang="en-US" smtClean="0"/>
-              <a:t>2/12/2018</a:t>
+              <a:t>2/13/2018</a:t>
             </a:fld>
             <a:endParaRPr lang="en-US"/>
           </a:p>
@@ -2248,7 +2249,7 @@
           <a:p>
             <a:fld id="{E633BF23-5A0D-4140-8F65-2D6DFEB09403}" type="datetimeFigureOut">
               <a:rPr lang="en-US" smtClean="0"/>
-              <a:t>2/12/2018</a:t>
+              <a:t>2/13/2018</a:t>
             </a:fld>
             <a:endParaRPr lang="en-US"/>
           </a:p>
@@ -2366,7 +2367,7 @@
           <a:p>
             <a:fld id="{E633BF23-5A0D-4140-8F65-2D6DFEB09403}" type="datetimeFigureOut">
               <a:rPr lang="en-US" smtClean="0"/>
-              <a:t>2/12/2018</a:t>
+              <a:t>2/13/2018</a:t>
             </a:fld>
             <a:endParaRPr lang="en-US"/>
           </a:p>
@@ -2461,7 +2462,7 @@
           <a:p>
             <a:fld id="{E633BF23-5A0D-4140-8F65-2D6DFEB09403}" type="datetimeFigureOut">
               <a:rPr lang="en-US" smtClean="0"/>
-              <a:t>2/12/2018</a:t>
+              <a:t>2/13/2018</a:t>
             </a:fld>
             <a:endParaRPr lang="en-US"/>
           </a:p>
@@ -2751,7 +2752,7 @@
           <a:p>
             <a:fld id="{E633BF23-5A0D-4140-8F65-2D6DFEB09403}" type="datetimeFigureOut">
               <a:rPr lang="en-US" smtClean="0"/>
-              <a:t>2/12/2018</a:t>
+              <a:t>2/13/2018</a:t>
             </a:fld>
             <a:endParaRPr lang="en-US"/>
           </a:p>
@@ -3023,7 +3024,7 @@
           <a:p>
             <a:fld id="{E633BF23-5A0D-4140-8F65-2D6DFEB09403}" type="datetimeFigureOut">
               <a:rPr lang="en-US" smtClean="0"/>
-              <a:t>2/12/2018</a:t>
+              <a:t>2/13/2018</a:t>
             </a:fld>
             <a:endParaRPr lang="en-US"/>
           </a:p>
@@ -3277,7 +3278,7 @@
           <a:p>
             <a:fld id="{E633BF23-5A0D-4140-8F65-2D6DFEB09403}" type="datetimeFigureOut">
               <a:rPr lang="en-US" smtClean="0"/>
-              <a:t>2/12/2018</a:t>
+              <a:t>2/13/2018</a:t>
             </a:fld>
             <a:endParaRPr lang="en-US"/>
           </a:p>
@@ -3846,46 +3847,30 @@
             </a:r>
             <a:r>
               <a:rPr lang="en-GB" dirty="0" smtClean="0"/>
-              <a:t> Project </a:t>
-            </a:r>
+              <a:t> Project III</a:t>
+            </a:r>
+            <a:endParaRPr lang="en-US" dirty="0"/>
+          </a:p>
+        </p:txBody>
+      </p:sp>
+      <p:sp>
+        <p:nvSpPr>
+          <p:cNvPr id="3" name="Content Placeholder 2"/>
+          <p:cNvSpPr>
+            <a:spLocks noGrp="1"/>
+          </p:cNvSpPr>
+          <p:nvPr>
+            <p:ph idx="1"/>
+          </p:nvPr>
+        </p:nvSpPr>
+        <p:spPr/>
+        <p:txBody>
+          <a:bodyPr/>
+          <a:lstStyle/>
+          <a:p>
             <a:r>
               <a:rPr lang="en-GB" dirty="0" smtClean="0"/>
-              <a:t>III</a:t>
-            </a:r>
-            <a:endParaRPr lang="en-US" dirty="0"/>
-          </a:p>
-        </p:txBody>
-      </p:sp>
-      <p:sp>
-        <p:nvSpPr>
-          <p:cNvPr id="3" name="Content Placeholder 2"/>
-          <p:cNvSpPr>
-            <a:spLocks noGrp="1"/>
-          </p:cNvSpPr>
-          <p:nvPr>
-            <p:ph idx="1"/>
-          </p:nvPr>
-        </p:nvSpPr>
-        <p:spPr/>
-        <p:txBody>
-          <a:bodyPr/>
-          <a:lstStyle/>
-          <a:p>
-            <a:r>
-              <a:rPr lang="en-GB" dirty="0" smtClean="0"/>
-              <a:t>Algorithms </a:t>
-            </a:r>
-            <a:r>
-              <a:rPr lang="en-GB" dirty="0" smtClean="0"/>
-              <a:t>you </a:t>
-            </a:r>
-            <a:r>
-              <a:rPr lang="en-GB" dirty="0" smtClean="0"/>
-              <a:t>run on </a:t>
-            </a:r>
-            <a:r>
-              <a:rPr lang="en-GB" dirty="0" smtClean="0"/>
-              <a:t>Spark Local will also work on Spark Cluster</a:t>
+              <a:t>Algorithms you run on Spark Local will also work on Spark Cluster</a:t>
             </a:r>
           </a:p>
           <a:p>
@@ -4113,7 +4098,6 @@
               <a:rPr lang="en-GB" dirty="0" smtClean="0"/>
               <a:t>), using a Virtual Machine is also possible</a:t>
             </a:r>
-            <a:endParaRPr lang="en-GB" dirty="0" smtClean="0"/>
           </a:p>
           <a:p>
             <a:pPr lvl="1"/>
@@ -4141,7 +4125,6 @@
               <a:rPr lang="en-GB" dirty="0" smtClean="0"/>
               <a:t> </a:t>
             </a:r>
-            <a:endParaRPr lang="en-GB" dirty="0" smtClean="0"/>
           </a:p>
           <a:p>
             <a:pPr lvl="1"/>
@@ -4149,7 +4132,6 @@
               <a:rPr lang="en-GB" dirty="0" smtClean="0"/>
               <a:t>Example Docker image also provided in next slide</a:t>
             </a:r>
-            <a:endParaRPr lang="en-GB" dirty="0" smtClean="0"/>
           </a:p>
         </p:txBody>
       </p:sp>
@@ -4200,11 +4182,7 @@
           <a:p>
             <a:r>
               <a:rPr lang="nl-NL" dirty="0" smtClean="0"/>
-              <a:t>Example Standalone </a:t>
-            </a:r>
-            <a:r>
-              <a:rPr lang="nl-NL" dirty="0" smtClean="0"/>
-              <a:t>Cluster Setup</a:t>
+              <a:t>Example Standalone Cluster Setup</a:t>
             </a:r>
             <a:endParaRPr lang="nl-NL" dirty="0"/>
           </a:p>
@@ -4899,7 +4877,7 @@
         <p:spPr/>
         <p:txBody>
           <a:bodyPr>
-            <a:normAutofit fontScale="92500" lnSpcReduction="20000"/>
+            <a:normAutofit fontScale="77500" lnSpcReduction="20000"/>
           </a:bodyPr>
           <a:lstStyle/>
           <a:p>
@@ -4973,15 +4951,7 @@
             </a:r>
             <a:r>
               <a:rPr lang="en-GB" dirty="0" smtClean="0"/>
-              <a:t>, only use the latest </a:t>
-            </a:r>
-            <a:r>
-              <a:rPr lang="en-GB" dirty="0" smtClean="0"/>
-              <a:t>version (=2.2.1), </a:t>
-            </a:r>
-            <a:r>
-              <a:rPr lang="en-GB" dirty="0" smtClean="0"/>
-              <a:t>be mindful of online tutorials that still use Spark 1.6 or older.</a:t>
+              <a:t>, only use the latest version (=2.2.1), be mindful of online tutorials that still use Spark 1.6 or older.</a:t>
             </a:r>
           </a:p>
           <a:p>
@@ -5012,7 +4982,17 @@
           <a:p>
             <a:r>
               <a:rPr lang="en-GB" dirty="0" smtClean="0"/>
-              <a:t>Start on time with migrating from Spark Local to Spark Cluster</a:t>
+              <a:t>Start on time with migrating from Spark Local to Spark </a:t>
+            </a:r>
+            <a:r>
+              <a:rPr lang="en-GB" dirty="0" smtClean="0"/>
+              <a:t>Cluster</a:t>
+            </a:r>
+          </a:p>
+          <a:p>
+            <a:r>
+              <a:rPr lang="en-GB" dirty="0" smtClean="0"/>
+              <a:t>Recommended programming language is Scala, it is native to Spark</a:t>
             </a:r>
             <a:endParaRPr lang="en-US" dirty="0"/>
           </a:p>
@@ -5390,7 +5370,7 @@
           <a:p>
             <a:r>
               <a:rPr lang="en-US" dirty="0" smtClean="0"/>
-              <a:t>Questions?</a:t>
+              <a:t>Requirements for Spark-related projects</a:t>
             </a:r>
             <a:endParaRPr lang="en-US" dirty="0"/>
           </a:p>
@@ -5408,31 +5388,83 @@
         </p:nvSpPr>
         <p:spPr/>
         <p:txBody>
-          <a:bodyPr/>
-          <a:lstStyle/>
-          <a:p>
-            <a:r>
-              <a:rPr lang="en-US" dirty="0" smtClean="0"/>
-              <a:t>Ask your TA’s during the lab session</a:t>
-            </a:r>
-          </a:p>
-          <a:p>
-            <a:r>
-              <a:rPr lang="en-US" dirty="0" smtClean="0"/>
-              <a:t>Create an issue on GitHub and assign your TA’s + </a:t>
-            </a:r>
-            <a:r>
-              <a:rPr lang="en-US" dirty="0" err="1" smtClean="0"/>
-              <a:t>BrianSetz</a:t>
+          <a:bodyPr>
+            <a:normAutofit lnSpcReduction="10000"/>
+          </a:bodyPr>
+          <a:lstStyle/>
+          <a:p>
+            <a:r>
+              <a:rPr lang="en-US" dirty="0" smtClean="0"/>
+              <a:t>Your algorithm processes offline batch data and online streaming data</a:t>
+            </a:r>
+          </a:p>
+          <a:p>
+            <a:r>
+              <a:rPr lang="en-US" dirty="0" smtClean="0"/>
+              <a:t>Distributed computations are a must</a:t>
+            </a:r>
+          </a:p>
+          <a:p>
+            <a:pPr lvl="1"/>
+            <a:r>
+              <a:rPr lang="en-US" dirty="0" smtClean="0"/>
+              <a:t>Minimum: you have to demonstrate that your workers are all performing useful work</a:t>
+            </a:r>
+          </a:p>
+          <a:p>
+            <a:pPr lvl="1"/>
+            <a:r>
+              <a:rPr lang="en-US" dirty="0" smtClean="0"/>
+              <a:t>Better: more than one worker</a:t>
+            </a:r>
+          </a:p>
+          <a:p>
+            <a:pPr lvl="1"/>
+            <a:r>
+              <a:rPr lang="en-US" dirty="0" smtClean="0"/>
+              <a:t>Best: more than one worker, on different machines (either VM’s, physical machines, or in the cloud)</a:t>
+            </a:r>
+          </a:p>
+          <a:p>
+            <a:r>
+              <a:rPr lang="en-US" dirty="0" smtClean="0"/>
+              <a:t>Deployment</a:t>
+            </a:r>
+          </a:p>
+          <a:p>
+            <a:pPr lvl="1"/>
+            <a:r>
+              <a:rPr lang="en-US" dirty="0" smtClean="0"/>
+              <a:t>Minimum: deploy as standalone with as many workers as you have CPU cores</a:t>
             </a:r>
             <a:endParaRPr lang="en-US" dirty="0"/>
+          </a:p>
+          <a:p>
+            <a:pPr lvl="1"/>
+            <a:r>
+              <a:rPr lang="en-US" dirty="0" smtClean="0"/>
+              <a:t>Better: deploy on cluster using deploy-mode client</a:t>
+            </a:r>
+          </a:p>
+          <a:p>
+            <a:pPr lvl="1"/>
+            <a:r>
+              <a:rPr lang="en-US" dirty="0" smtClean="0"/>
+              <a:t>Best: deploy on cluster using deploy-mode cluster</a:t>
+            </a:r>
+          </a:p>
+          <a:p>
+            <a:r>
+              <a:rPr lang="en-US" dirty="0" smtClean="0"/>
+              <a:t>We will also look at the code you write </a:t>
+            </a:r>
           </a:p>
         </p:txBody>
       </p:sp>
     </p:spTree>
     <p:extLst>
       <p:ext uri="{BB962C8B-B14F-4D97-AF65-F5344CB8AC3E}">
-        <p14:creationId xmlns:p14="http://schemas.microsoft.com/office/powerpoint/2010/main" val="3975299360"/>
+        <p14:creationId xmlns:p14="http://schemas.microsoft.com/office/powerpoint/2010/main" val="1968835978"/>
       </p:ext>
     </p:extLst>
   </p:cSld>
@@ -5633,6 +5665,92 @@
 </p:sld>
 </file>
 
+<file path=ppt/slides/slide20.xml><?xml version="1.0" encoding="utf-8"?>
+<p:sld xmlns:a="http://schemas.openxmlformats.org/drawingml/2006/main" xmlns:r="http://schemas.openxmlformats.org/officeDocument/2006/relationships" xmlns:p="http://schemas.openxmlformats.org/presentationml/2006/main">
+  <p:cSld>
+    <p:spTree>
+      <p:nvGrpSpPr>
+        <p:cNvPr id="1" name=""/>
+        <p:cNvGrpSpPr/>
+        <p:nvPr/>
+      </p:nvGrpSpPr>
+      <p:grpSpPr>
+        <a:xfrm>
+          <a:off x="0" y="0"/>
+          <a:ext cx="0" cy="0"/>
+          <a:chOff x="0" y="0"/>
+          <a:chExt cx="0" cy="0"/>
+        </a:xfrm>
+      </p:grpSpPr>
+      <p:sp>
+        <p:nvSpPr>
+          <p:cNvPr id="2" name="Title 1"/>
+          <p:cNvSpPr>
+            <a:spLocks noGrp="1"/>
+          </p:cNvSpPr>
+          <p:nvPr>
+            <p:ph type="title"/>
+          </p:nvPr>
+        </p:nvSpPr>
+        <p:spPr/>
+        <p:txBody>
+          <a:bodyPr/>
+          <a:lstStyle/>
+          <a:p>
+            <a:r>
+              <a:rPr lang="en-US" dirty="0" smtClean="0"/>
+              <a:t>Questions?</a:t>
+            </a:r>
+            <a:endParaRPr lang="en-US" dirty="0"/>
+          </a:p>
+        </p:txBody>
+      </p:sp>
+      <p:sp>
+        <p:nvSpPr>
+          <p:cNvPr id="3" name="Content Placeholder 2"/>
+          <p:cNvSpPr>
+            <a:spLocks noGrp="1"/>
+          </p:cNvSpPr>
+          <p:nvPr>
+            <p:ph idx="1"/>
+          </p:nvPr>
+        </p:nvSpPr>
+        <p:spPr/>
+        <p:txBody>
+          <a:bodyPr/>
+          <a:lstStyle/>
+          <a:p>
+            <a:r>
+              <a:rPr lang="en-US" dirty="0" smtClean="0"/>
+              <a:t>Ask your TA’s during the lab session</a:t>
+            </a:r>
+          </a:p>
+          <a:p>
+            <a:r>
+              <a:rPr lang="en-US" dirty="0" smtClean="0"/>
+              <a:t>Create an issue on GitHub and assign your TA’s + </a:t>
+            </a:r>
+            <a:r>
+              <a:rPr lang="en-US" dirty="0" err="1" smtClean="0"/>
+              <a:t>BrianSetz</a:t>
+            </a:r>
+            <a:endParaRPr lang="en-US" dirty="0"/>
+          </a:p>
+        </p:txBody>
+      </p:sp>
+    </p:spTree>
+    <p:extLst>
+      <p:ext uri="{BB962C8B-B14F-4D97-AF65-F5344CB8AC3E}">
+        <p14:creationId xmlns:p14="http://schemas.microsoft.com/office/powerpoint/2010/main" val="3975299360"/>
+      </p:ext>
+    </p:extLst>
+  </p:cSld>
+  <p:clrMapOvr>
+    <a:masterClrMapping/>
+  </p:clrMapOvr>
+</p:sld>
+</file>
+
 <file path=ppt/slides/slide3.xml><?xml version="1.0" encoding="utf-8"?>
 <p:sld xmlns:a="http://schemas.openxmlformats.org/drawingml/2006/main" xmlns:r="http://schemas.openxmlformats.org/officeDocument/2006/relationships" xmlns:p="http://schemas.openxmlformats.org/presentationml/2006/main">
   <p:cSld>
@@ -5688,6 +5806,14 @@
           <a:bodyPr/>
           <a:lstStyle/>
           <a:p>
+            <a:r>
+              <a:rPr lang="en-US" dirty="0" smtClean="0"/>
+              <a:t>Worker and Slave are used interchangeably in </a:t>
+            </a:r>
+            <a:r>
+              <a:rPr lang="en-US" smtClean="0"/>
+              <a:t>these slides</a:t>
+            </a:r>
             <a:endParaRPr lang="en-US" dirty="0"/>
           </a:p>
         </p:txBody>
@@ -5715,7 +5841,7 @@
         </p:blipFill>
         <p:spPr bwMode="auto">
           <a:xfrm>
-            <a:off x="2265112" y="1812673"/>
+            <a:off x="4920080" y="1900904"/>
             <a:ext cx="5991225" cy="4124326"/>
           </a:xfrm>
           <a:prstGeom prst="rect">
@@ -5843,11 +5969,7 @@
             <a:pPr lvl="2"/>
             <a:r>
               <a:rPr lang="en-US" u="sng" dirty="0" smtClean="0"/>
-              <a:t>Your program is expected to run on a cluster for the final </a:t>
-            </a:r>
-            <a:r>
-              <a:rPr lang="en-US" u="sng" dirty="0" smtClean="0"/>
-              <a:t>demo</a:t>
+              <a:t>Your program is expected to run on a cluster for the final demo</a:t>
             </a:r>
             <a:r>
               <a:rPr lang="en-US" dirty="0" smtClean="0"/>
@@ -5861,7 +5983,6 @@
               <a:rPr lang="en-US" dirty="0" smtClean="0"/>
               <a:t>deploy-mode cluster</a:t>
             </a:r>
-            <a:endParaRPr lang="en-US" dirty="0" smtClean="0"/>
           </a:p>
           <a:p>
             <a:pPr lvl="1"/>
@@ -6087,15 +6208,7 @@
             <a:pPr lvl="1"/>
             <a:r>
               <a:rPr lang="en-GB" dirty="0" smtClean="0"/>
-              <a:t>Driver, </a:t>
-            </a:r>
-            <a:r>
-              <a:rPr lang="en-GB" dirty="0" smtClean="0"/>
-              <a:t>Workers (slave), </a:t>
-            </a:r>
-            <a:r>
-              <a:rPr lang="en-GB" dirty="0" smtClean="0"/>
-              <a:t>and Cluster Manager must be able to communicate via the network</a:t>
+              <a:t>Driver, Workers (slave), and Cluster Manager must be able to communicate via the network</a:t>
             </a:r>
             <a:endParaRPr lang="en-GB" dirty="0"/>
           </a:p>
@@ -6124,11 +6237,7 @@
             </a:r>
             <a:r>
               <a:rPr lang="en-GB" dirty="0" smtClean="0"/>
-              <a:t>, driver can be on your machine or on the </a:t>
-            </a:r>
-            <a:r>
-              <a:rPr lang="en-GB" dirty="0" smtClean="0"/>
-              <a:t>cluster</a:t>
+              <a:t>, driver can be on your machine or on the cluster</a:t>
             </a:r>
           </a:p>
           <a:p>
@@ -6470,11 +6579,7 @@
             <a:pPr lvl="1"/>
             <a:r>
               <a:rPr lang="en-US" dirty="0" smtClean="0"/>
-              <a:t>Make sure to install the Scala Plugin in </a:t>
-            </a:r>
-            <a:r>
-              <a:rPr lang="en-US" dirty="0" smtClean="0"/>
-              <a:t>IntelliJ</a:t>
+              <a:t>Make sure to install the Scala Plugin in IntelliJ</a:t>
             </a:r>
           </a:p>
           <a:p>
@@ -6510,7 +6615,6 @@
               <a:rPr lang="en-US" dirty="0" smtClean="0"/>
               <a:t> </a:t>
             </a:r>
-            <a:endParaRPr lang="en-US" dirty="0" smtClean="0"/>
           </a:p>
           <a:p>
             <a:r>
@@ -6524,7 +6628,6 @@
               <a:rPr lang="en-US" dirty="0" smtClean="0"/>
               <a:t>Set the SPARK_HOME environment variable</a:t>
             </a:r>
-            <a:endParaRPr lang="en-US" dirty="0" smtClean="0"/>
           </a:p>
         </p:txBody>
       </p:sp>
@@ -6817,11 +6920,7 @@
             </a:r>
             <a:r>
               <a:rPr lang="en-GB" dirty="0" smtClean="0"/>
-              <a:t> </a:t>
-            </a:r>
-            <a:r>
-              <a:rPr lang="en-GB" dirty="0" smtClean="0"/>
-              <a:t>Project II</a:t>
+              <a:t> Project II</a:t>
             </a:r>
             <a:endParaRPr lang="en-US" dirty="0"/>
           </a:p>

--- a/slides/Apache Spark Bootcamp.pptx
+++ b/slides/Apache Spark Bootcamp.pptx
@@ -5,7 +5,7 @@
     <p:sldMasterId id="2147483689" r:id="rId1"/>
   </p:sldMasterIdLst>
   <p:notesMasterIdLst>
-    <p:notesMasterId r:id="rId22"/>
+    <p:notesMasterId r:id="rId23"/>
   </p:notesMasterIdLst>
   <p:sldIdLst>
     <p:sldId id="256" r:id="rId2"/>
@@ -24,10 +24,11 @@
     <p:sldId id="272" r:id="rId15"/>
     <p:sldId id="274" r:id="rId16"/>
     <p:sldId id="260" r:id="rId17"/>
-    <p:sldId id="267" r:id="rId18"/>
-    <p:sldId id="268" r:id="rId19"/>
+    <p:sldId id="268" r:id="rId18"/>
+    <p:sldId id="276" r:id="rId19"/>
     <p:sldId id="275" r:id="rId20"/>
-    <p:sldId id="273" r:id="rId21"/>
+    <p:sldId id="267" r:id="rId21"/>
+    <p:sldId id="273" r:id="rId22"/>
   </p:sldIdLst>
   <p:sldSz cx="12192000" cy="6858000"/>
   <p:notesSz cx="6858000" cy="9144000"/>
@@ -216,7 +217,7 @@
           <a:p>
             <a:fld id="{AA139F5D-FCEB-4534-99AC-8CD0F9E0A06F}" type="datetimeFigureOut">
               <a:rPr lang="en-US" smtClean="0"/>
-              <a:t>2/13/2018</a:t>
+              <a:t>2/14/2018</a:t>
             </a:fld>
             <a:endParaRPr lang="en-US"/>
           </a:p>
@@ -680,7 +681,7 @@
           <a:p>
             <a:fld id="{E633BF23-5A0D-4140-8F65-2D6DFEB09403}" type="datetimeFigureOut">
               <a:rPr lang="en-US" smtClean="0"/>
-              <a:t>2/13/2018</a:t>
+              <a:t>2/14/2018</a:t>
             </a:fld>
             <a:endParaRPr lang="en-US"/>
           </a:p>
@@ -901,7 +902,7 @@
           <a:p>
             <a:fld id="{E633BF23-5A0D-4140-8F65-2D6DFEB09403}" type="datetimeFigureOut">
               <a:rPr lang="en-US" smtClean="0"/>
-              <a:t>2/13/2018</a:t>
+              <a:t>2/14/2018</a:t>
             </a:fld>
             <a:endParaRPr lang="en-US"/>
           </a:p>
@@ -1081,7 +1082,7 @@
           <a:p>
             <a:fld id="{E633BF23-5A0D-4140-8F65-2D6DFEB09403}" type="datetimeFigureOut">
               <a:rPr lang="en-US" smtClean="0"/>
-              <a:t>2/13/2018</a:t>
+              <a:t>2/14/2018</a:t>
             </a:fld>
             <a:endParaRPr lang="en-US"/>
           </a:p>
@@ -1251,7 +1252,7 @@
           <a:p>
             <a:fld id="{E633BF23-5A0D-4140-8F65-2D6DFEB09403}" type="datetimeFigureOut">
               <a:rPr lang="en-US" smtClean="0"/>
-              <a:t>2/13/2018</a:t>
+              <a:t>2/14/2018</a:t>
             </a:fld>
             <a:endParaRPr lang="en-US"/>
           </a:p>
@@ -1502,7 +1503,7 @@
           <a:p>
             <a:fld id="{E633BF23-5A0D-4140-8F65-2D6DFEB09403}" type="datetimeFigureOut">
               <a:rPr lang="en-US" smtClean="0"/>
-              <a:t>2/13/2018</a:t>
+              <a:t>2/14/2018</a:t>
             </a:fld>
             <a:endParaRPr lang="en-US"/>
           </a:p>
@@ -1825,7 +1826,7 @@
           <a:p>
             <a:fld id="{E633BF23-5A0D-4140-8F65-2D6DFEB09403}" type="datetimeFigureOut">
               <a:rPr lang="en-US" smtClean="0"/>
-              <a:t>2/13/2018</a:t>
+              <a:t>2/14/2018</a:t>
             </a:fld>
             <a:endParaRPr lang="en-US"/>
           </a:p>
@@ -2249,7 +2250,7 @@
           <a:p>
             <a:fld id="{E633BF23-5A0D-4140-8F65-2D6DFEB09403}" type="datetimeFigureOut">
               <a:rPr lang="en-US" smtClean="0"/>
-              <a:t>2/13/2018</a:t>
+              <a:t>2/14/2018</a:t>
             </a:fld>
             <a:endParaRPr lang="en-US"/>
           </a:p>
@@ -2367,7 +2368,7 @@
           <a:p>
             <a:fld id="{E633BF23-5A0D-4140-8F65-2D6DFEB09403}" type="datetimeFigureOut">
               <a:rPr lang="en-US" smtClean="0"/>
-              <a:t>2/13/2018</a:t>
+              <a:t>2/14/2018</a:t>
             </a:fld>
             <a:endParaRPr lang="en-US"/>
           </a:p>
@@ -2462,7 +2463,7 @@
           <a:p>
             <a:fld id="{E633BF23-5A0D-4140-8F65-2D6DFEB09403}" type="datetimeFigureOut">
               <a:rPr lang="en-US" smtClean="0"/>
-              <a:t>2/13/2018</a:t>
+              <a:t>2/14/2018</a:t>
             </a:fld>
             <a:endParaRPr lang="en-US"/>
           </a:p>
@@ -2752,7 +2753,7 @@
           <a:p>
             <a:fld id="{E633BF23-5A0D-4140-8F65-2D6DFEB09403}" type="datetimeFigureOut">
               <a:rPr lang="en-US" smtClean="0"/>
-              <a:t>2/13/2018</a:t>
+              <a:t>2/14/2018</a:t>
             </a:fld>
             <a:endParaRPr lang="en-US"/>
           </a:p>
@@ -3024,7 +3025,7 @@
           <a:p>
             <a:fld id="{E633BF23-5A0D-4140-8F65-2D6DFEB09403}" type="datetimeFigureOut">
               <a:rPr lang="en-US" smtClean="0"/>
-              <a:t>2/13/2018</a:t>
+              <a:t>2/14/2018</a:t>
             </a:fld>
             <a:endParaRPr lang="en-US"/>
           </a:p>
@@ -3278,7 +3279,7 @@
           <a:p>
             <a:fld id="{E633BF23-5A0D-4140-8F65-2D6DFEB09403}" type="datetimeFigureOut">
               <a:rPr lang="en-US" smtClean="0"/>
-              <a:t>2/13/2018</a:t>
+              <a:t>2/14/2018</a:t>
             </a:fld>
             <a:endParaRPr lang="en-US"/>
           </a:p>
@@ -3785,6 +3786,69 @@
           </a:p>
         </p:txBody>
       </p:sp>
+      <p:sp>
+        <p:nvSpPr>
+          <p:cNvPr id="4" name="TextBox 3"/>
+          <p:cNvSpPr txBox="1"/>
+          <p:nvPr/>
+        </p:nvSpPr>
+        <p:spPr>
+          <a:xfrm>
+            <a:off x="10477390" y="5935579"/>
+            <a:ext cx="1347537" cy="523220"/>
+          </a:xfrm>
+          <a:prstGeom prst="rect">
+            <a:avLst/>
+          </a:prstGeom>
+          <a:noFill/>
+        </p:spPr>
+        <p:txBody>
+          <a:bodyPr wrap="square" rtlCol="0">
+            <a:spAutoFit/>
+          </a:bodyPr>
+          <a:lstStyle/>
+          <a:p>
+            <a:pPr algn="r"/>
+            <a:r>
+              <a:rPr lang="en-US" sz="1400" b="1" dirty="0" smtClean="0">
+                <a:solidFill>
+                  <a:schemeClr val="bg1"/>
+                </a:solidFill>
+              </a:rPr>
+              <a:t>Brian </a:t>
+            </a:r>
+            <a:r>
+              <a:rPr lang="en-US" sz="1400" b="1" dirty="0" err="1" smtClean="0">
+                <a:solidFill>
+                  <a:schemeClr val="bg1"/>
+                </a:solidFill>
+              </a:rPr>
+              <a:t>Setz</a:t>
+            </a:r>
+            <a:endParaRPr lang="en-US" sz="1400" b="1" dirty="0" smtClean="0">
+              <a:solidFill>
+                <a:schemeClr val="bg1"/>
+              </a:solidFill>
+            </a:endParaRPr>
+          </a:p>
+          <a:p>
+            <a:pPr algn="r"/>
+            <a:r>
+              <a:rPr lang="en-US" sz="1400" b="1" dirty="0" smtClean="0">
+                <a:solidFill>
+                  <a:schemeClr val="bg1"/>
+                </a:solidFill>
+              </a:rPr>
+              <a:t>b.setz@rug.nl </a:t>
+            </a:r>
+            <a:endParaRPr lang="en-US" sz="1400" b="1" dirty="0">
+              <a:solidFill>
+                <a:schemeClr val="bg1"/>
+              </a:solidFill>
+            </a:endParaRPr>
+          </a:p>
+        </p:txBody>
+      </p:sp>
     </p:spTree>
     <p:extLst>
       <p:ext uri="{BB962C8B-B14F-4D97-AF65-F5344CB8AC3E}">
@@ -3971,6 +4035,13 @@
   <p:clrMapOvr>
     <a:masterClrMapping/>
   </p:clrMapOvr>
+  <p:timing>
+    <p:tnLst>
+      <p:par>
+        <p:cTn id="1" dur="indefinite" restart="never" nodeType="tmRoot"/>
+      </p:par>
+    </p:tnLst>
+  </p:timing>
 </p:sld>
 </file>
 
@@ -4052,8 +4123,6 @@
               <a:rPr lang="en-GB" dirty="0" smtClean="0"/>
               <a:t> </a:t>
             </a:r>
-          </a:p>
-          <a:p>
             <a:endParaRPr lang="en-GB" dirty="0"/>
           </a:p>
           <a:p>
@@ -4081,8 +4150,6 @@
               <a:rPr lang="en-US" dirty="0" smtClean="0"/>
               <a:t> </a:t>
             </a:r>
-          </a:p>
-          <a:p>
             <a:endParaRPr lang="en-GB" dirty="0"/>
           </a:p>
           <a:p>
@@ -4096,8 +4163,36 @@
             </a:r>
             <a:r>
               <a:rPr lang="en-GB" dirty="0" smtClean="0"/>
-              <a:t>), using a Virtual Machine is also possible</a:t>
-            </a:r>
+              <a:t>), using a Virtual Machine is also </a:t>
+            </a:r>
+            <a:r>
+              <a:rPr lang="en-GB" dirty="0" smtClean="0"/>
+              <a:t>possible</a:t>
+            </a:r>
+          </a:p>
+          <a:p>
+            <a:pPr lvl="1"/>
+            <a:r>
+              <a:rPr lang="en-GB" dirty="0"/>
+              <a:t>Tutorial: </a:t>
+            </a:r>
+            <a:r>
+              <a:rPr lang="en-GB" dirty="0">
+                <a:hlinkClick r:id="rId4"/>
+              </a:rPr>
+              <a:t>https://docs.docker.com/get-started</a:t>
+            </a:r>
+            <a:r>
+              <a:rPr lang="en-GB" dirty="0" smtClean="0">
+                <a:hlinkClick r:id="rId4"/>
+              </a:rPr>
+              <a:t>/</a:t>
+            </a:r>
+            <a:r>
+              <a:rPr lang="en-GB" dirty="0" smtClean="0"/>
+              <a:t> </a:t>
+            </a:r>
+            <a:endParaRPr lang="en-GB" dirty="0" smtClean="0"/>
           </a:p>
           <a:p>
             <a:pPr lvl="1"/>
@@ -4111,13 +4206,13 @@
             </a:r>
             <a:r>
               <a:rPr lang="en-GB" dirty="0">
-                <a:hlinkClick r:id="rId4"/>
+                <a:hlinkClick r:id="rId5"/>
               </a:rPr>
               <a:t>https://hub.docker.com</a:t>
             </a:r>
             <a:r>
               <a:rPr lang="en-GB" dirty="0" smtClean="0">
-                <a:hlinkClick r:id="rId4"/>
+                <a:hlinkClick r:id="rId5"/>
               </a:rPr>
               <a:t>/</a:t>
             </a:r>
@@ -4145,6 +4240,13 @@
   <p:clrMapOvr>
     <a:masterClrMapping/>
   </p:clrMapOvr>
+  <p:timing>
+    <p:tnLst>
+      <p:par>
+        <p:cTn id="1" dur="indefinite" restart="never" nodeType="tmRoot"/>
+      </p:par>
+    </p:tnLst>
+  </p:timing>
 </p:sld>
 </file>
 
@@ -4326,6 +4428,13 @@
   <p:clrMapOvr>
     <a:masterClrMapping/>
   </p:clrMapOvr>
+  <p:timing>
+    <p:tnLst>
+      <p:par>
+        <p:cTn id="1" dur="indefinite" restart="never" nodeType="tmRoot"/>
+      </p:par>
+    </p:tnLst>
+  </p:timing>
 </p:sld>
 </file>
 
@@ -4459,6 +4568,13 @@
   <p:clrMapOvr>
     <a:masterClrMapping/>
   </p:clrMapOvr>
+  <p:timing>
+    <p:tnLst>
+      <p:par>
+        <p:cTn id="1" dur="indefinite" restart="never" nodeType="tmRoot"/>
+      </p:par>
+    </p:tnLst>
+  </p:timing>
 </p:sld>
 </file>
 
@@ -4697,6 +4813,13 @@
   <p:clrMapOvr>
     <a:masterClrMapping/>
   </p:clrMapOvr>
+  <p:timing>
+    <p:tnLst>
+      <p:par>
+        <p:cTn id="1" dur="indefinite" restart="never" nodeType="tmRoot"/>
+      </p:par>
+    </p:tnLst>
+  </p:timing>
 </p:sld>
 </file>
 
@@ -4821,6 +4944,13 @@
   <p:clrMapOvr>
     <a:masterClrMapping/>
   </p:clrMapOvr>
+  <p:timing>
+    <p:tnLst>
+      <p:par>
+        <p:cTn id="1" dur="indefinite" restart="never" nodeType="tmRoot"/>
+      </p:par>
+    </p:tnLst>
+  </p:timing>
 </p:sld>
 </file>
 
@@ -4982,11 +5112,7 @@
           <a:p>
             <a:r>
               <a:rPr lang="en-GB" dirty="0" smtClean="0"/>
-              <a:t>Start on time with migrating from Spark Local to Spark </a:t>
-            </a:r>
-            <a:r>
-              <a:rPr lang="en-GB" dirty="0" smtClean="0"/>
-              <a:t>Cluster</a:t>
+              <a:t>Start on time with migrating from Spark Local to Spark Cluster</a:t>
             </a:r>
           </a:p>
           <a:p>
@@ -5051,10 +5177,10 @@
           <a:lstStyle/>
           <a:p>
             <a:r>
-              <a:rPr lang="en-GB" dirty="0" smtClean="0"/>
-              <a:t>Useful Resources</a:t>
-            </a:r>
-            <a:endParaRPr lang="en-US" dirty="0"/>
+              <a:rPr lang="nl-NL" dirty="0" smtClean="0"/>
+              <a:t>Troubleshooting	</a:t>
+            </a:r>
+            <a:endParaRPr lang="nl-NL" dirty="0"/>
           </a:p>
         </p:txBody>
       </p:sp>
@@ -5074,126 +5200,93 @@
           <a:lstStyle/>
           <a:p>
             <a:r>
-              <a:rPr lang="en-GB" dirty="0" smtClean="0"/>
-              <a:t>RDD vs </a:t>
-            </a:r>
-            <a:r>
-              <a:rPr lang="en-GB" dirty="0" err="1" smtClean="0"/>
-              <a:t>DataFrame</a:t>
-            </a:r>
-            <a:r>
-              <a:rPr lang="en-GB" dirty="0" smtClean="0"/>
-              <a:t> vs </a:t>
-            </a:r>
-            <a:r>
-              <a:rPr lang="en-GB" dirty="0" err="1" smtClean="0"/>
-              <a:t>DataSet</a:t>
-            </a:r>
-            <a:r>
-              <a:rPr lang="en-GB" dirty="0"/>
-              <a:t>: </a:t>
-            </a:r>
-            <a:r>
-              <a:rPr lang="en-GB" dirty="0">
-                <a:hlinkClick r:id="rId2"/>
-              </a:rPr>
-              <a:t>http://</a:t>
-            </a:r>
-            <a:r>
-              <a:rPr lang="en-GB" dirty="0" smtClean="0">
-                <a:hlinkClick r:id="rId2"/>
-              </a:rPr>
-              <a:t>why-not-learn-something.blogspot.nl/2016/07/apache-spark-rdd-vs-dataframe-vs-dataset.html</a:t>
-            </a:r>
-            <a:r>
-              <a:rPr lang="en-GB" dirty="0" smtClean="0"/>
-              <a:t> </a:t>
-            </a:r>
-            <a:endParaRPr lang="en-GB" dirty="0"/>
-          </a:p>
-          <a:p>
-            <a:r>
-              <a:rPr lang="en-GB" dirty="0" smtClean="0"/>
-              <a:t>Common </a:t>
-            </a:r>
-            <a:r>
-              <a:rPr lang="en-GB" dirty="0"/>
-              <a:t>mistakes: </a:t>
-            </a:r>
-            <a:r>
-              <a:rPr lang="en-GB" dirty="0">
-                <a:hlinkClick r:id="rId3"/>
-              </a:rPr>
-              <a:t>https://</a:t>
-            </a:r>
-            <a:r>
-              <a:rPr lang="en-GB" dirty="0" smtClean="0">
-                <a:hlinkClick r:id="rId3"/>
-              </a:rPr>
-              <a:t>www.slideshare.net/cloudera/top-5-mistakes-to-avoid-when-writing-apache-spark-applications</a:t>
-            </a:r>
-            <a:r>
-              <a:rPr lang="en-GB" dirty="0" smtClean="0"/>
-              <a:t> </a:t>
-            </a:r>
-          </a:p>
-          <a:p>
-            <a:r>
-              <a:rPr lang="en-GB" dirty="0"/>
-              <a:t>Spark Streaming: </a:t>
-            </a:r>
-            <a:r>
-              <a:rPr lang="en-GB" dirty="0">
-                <a:hlinkClick r:id="rId4"/>
-              </a:rPr>
-              <a:t>https://</a:t>
-            </a:r>
-            <a:r>
-              <a:rPr lang="en-GB" dirty="0" smtClean="0">
-                <a:hlinkClick r:id="rId4"/>
-              </a:rPr>
-              <a:t>www.slideshare.net/prakash573/spark-streaming-best-practices</a:t>
-            </a:r>
-            <a:r>
-              <a:rPr lang="en-GB" dirty="0" smtClean="0"/>
-              <a:t> </a:t>
-            </a:r>
-          </a:p>
-          <a:p>
-            <a:r>
-              <a:rPr lang="en-GB" dirty="0"/>
-              <a:t>Git tutorial: </a:t>
-            </a:r>
-            <a:r>
-              <a:rPr lang="en-GB" dirty="0">
-                <a:hlinkClick r:id="rId5"/>
-              </a:rPr>
-              <a:t>https://</a:t>
-            </a:r>
-            <a:r>
-              <a:rPr lang="en-GB" dirty="0" smtClean="0">
-                <a:hlinkClick r:id="rId5"/>
-              </a:rPr>
-              <a:t>try.github.io/levels/1/challenges/1</a:t>
-            </a:r>
-            <a:r>
-              <a:rPr lang="en-GB" dirty="0" smtClean="0"/>
-              <a:t> </a:t>
-            </a:r>
-            <a:endParaRPr lang="en-US" dirty="0"/>
+              <a:rPr lang="nl-NL" dirty="0" smtClean="0"/>
+              <a:t>If you cannot import the project as an SBT project, you are either missing the Scala plugin, or the </a:t>
+            </a:r>
+            <a:r>
+              <a:rPr lang="nl-NL" u="sng" dirty="0" smtClean="0"/>
+              <a:t>Scala plugin </a:t>
+            </a:r>
+            <a:r>
+              <a:rPr lang="nl-NL" dirty="0" smtClean="0"/>
+              <a:t>is out of date. Make sure you also use the </a:t>
+            </a:r>
+            <a:r>
+              <a:rPr lang="nl-NL" u="sng" dirty="0" smtClean="0"/>
+              <a:t>latest version of IntelliJ</a:t>
+            </a:r>
+          </a:p>
+          <a:p>
+            <a:endParaRPr lang="nl-NL" dirty="0"/>
+          </a:p>
+          <a:p>
+            <a:r>
+              <a:rPr lang="nl-NL" dirty="0"/>
+              <a:t>In case you get a </a:t>
+            </a:r>
+            <a:r>
+              <a:rPr lang="nl-NL" b="1" dirty="0" smtClean="0"/>
+              <a:t>ClassNotFoundException</a:t>
+            </a:r>
+            <a:r>
+              <a:rPr lang="nl-NL" dirty="0" smtClean="0"/>
+              <a:t> when </a:t>
+            </a:r>
+            <a:r>
+              <a:rPr lang="nl-NL" dirty="0"/>
+              <a:t>running “</a:t>
+            </a:r>
+            <a:r>
+              <a:rPr lang="nl-NL" dirty="0" smtClean="0"/>
+              <a:t>SparkLocalMain</a:t>
+            </a:r>
+            <a:r>
+              <a:rPr lang="nl-NL" dirty="0"/>
+              <a:t>”, try updating and/or restarting </a:t>
+            </a:r>
+            <a:r>
+              <a:rPr lang="nl-NL" dirty="0" smtClean="0"/>
+              <a:t>IntelliJ</a:t>
+            </a:r>
+            <a:endParaRPr lang="nl-NL" dirty="0"/>
+          </a:p>
+          <a:p>
+            <a:endParaRPr lang="nl-NL" dirty="0" smtClean="0"/>
+          </a:p>
+          <a:p>
+            <a:r>
+              <a:rPr lang="nl-NL" dirty="0" smtClean="0"/>
+              <a:t>A </a:t>
+            </a:r>
+            <a:r>
+              <a:rPr lang="nl-NL" b="1" dirty="0" smtClean="0"/>
+              <a:t>FileNotFoundException</a:t>
+            </a:r>
+            <a:r>
+              <a:rPr lang="nl-NL" dirty="0" smtClean="0"/>
+              <a:t> is expected when submitting “SparkSubmitMain”</a:t>
+            </a:r>
+            <a:endParaRPr lang="nl-NL" dirty="0"/>
           </a:p>
         </p:txBody>
       </p:sp>
     </p:spTree>
     <p:extLst>
       <p:ext uri="{BB962C8B-B14F-4D97-AF65-F5344CB8AC3E}">
-        <p14:creationId xmlns:p14="http://schemas.microsoft.com/office/powerpoint/2010/main" val="708177791"/>
+        <p14:creationId xmlns:p14="http://schemas.microsoft.com/office/powerpoint/2010/main" val="4027043143"/>
       </p:ext>
     </p:extLst>
   </p:cSld>
   <p:clrMapOvr>
     <a:masterClrMapping/>
   </p:clrMapOvr>
+  <p:timing>
+    <p:tnLst>
+      <p:par>
+        <p:cTn id="1" dur="indefinite" restart="never" nodeType="tmRoot"/>
+      </p:par>
+    </p:tnLst>
+  </p:timing>
 </p:sld>
 </file>
 
@@ -5230,10 +5323,10 @@
           <a:lstStyle/>
           <a:p>
             <a:r>
-              <a:rPr lang="nl-NL" dirty="0" smtClean="0"/>
-              <a:t>Troubleshooting	</a:t>
-            </a:r>
-            <a:endParaRPr lang="nl-NL" dirty="0"/>
+              <a:rPr lang="en-US" dirty="0" smtClean="0"/>
+              <a:t>Troubleshooting II</a:t>
+            </a:r>
+            <a:endParaRPr lang="en-US" dirty="0"/>
           </a:p>
         </p:txBody>
       </p:sp>
@@ -5249,90 +5342,149 @@
         </p:nvSpPr>
         <p:spPr/>
         <p:txBody>
-          <a:bodyPr/>
-          <a:lstStyle/>
-          <a:p>
-            <a:r>
-              <a:rPr lang="nl-NL" dirty="0" smtClean="0"/>
-              <a:t>If you cannot import the project as an SBT project, you are either missing the Scala plugin, or the </a:t>
-            </a:r>
-            <a:r>
-              <a:rPr lang="nl-NL" u="sng" dirty="0" smtClean="0"/>
-              <a:t>Scala plugin </a:t>
-            </a:r>
-            <a:r>
-              <a:rPr lang="nl-NL" dirty="0" smtClean="0"/>
-              <a:t>is out of date. Make sure you also use the </a:t>
-            </a:r>
-            <a:r>
-              <a:rPr lang="nl-NL" u="sng" dirty="0" smtClean="0"/>
-              <a:t>latest version of IntelliJ</a:t>
-            </a:r>
-          </a:p>
-          <a:p>
-            <a:endParaRPr lang="nl-NL" dirty="0"/>
-          </a:p>
-          <a:p>
-            <a:r>
-              <a:rPr lang="nl-NL" dirty="0"/>
-              <a:t>In case you get a </a:t>
-            </a:r>
-            <a:r>
-              <a:rPr lang="nl-NL" b="1" dirty="0" smtClean="0"/>
-              <a:t>ClassNotFoundException</a:t>
-            </a:r>
-            <a:r>
-              <a:rPr lang="nl-NL" dirty="0" smtClean="0"/>
-              <a:t> when </a:t>
-            </a:r>
-            <a:r>
-              <a:rPr lang="nl-NL" dirty="0"/>
-              <a:t>running “</a:t>
-            </a:r>
-            <a:r>
-              <a:rPr lang="nl-NL" dirty="0" smtClean="0"/>
-              <a:t>SparkLocalMain</a:t>
-            </a:r>
-            <a:r>
-              <a:rPr lang="nl-NL" dirty="0"/>
-              <a:t>”, try updating and/or restarting </a:t>
-            </a:r>
-            <a:r>
-              <a:rPr lang="nl-NL" dirty="0" smtClean="0"/>
-              <a:t>IntelliJ</a:t>
-            </a:r>
-            <a:endParaRPr lang="nl-NL" dirty="0"/>
-          </a:p>
-          <a:p>
-            <a:endParaRPr lang="nl-NL" dirty="0" smtClean="0"/>
-          </a:p>
-          <a:p>
-            <a:r>
-              <a:rPr lang="nl-NL" dirty="0" smtClean="0"/>
-              <a:t>A </a:t>
-            </a:r>
-            <a:r>
-              <a:rPr lang="nl-NL" b="1" dirty="0" smtClean="0"/>
-              <a:t>FileNotFoundException</a:t>
-            </a:r>
-            <a:r>
-              <a:rPr lang="nl-NL" dirty="0" smtClean="0"/>
-              <a:t> is expected when submitting “SparkSubmitMain”</a:t>
-            </a:r>
-            <a:endParaRPr lang="nl-NL" dirty="0"/>
+          <a:bodyPr>
+            <a:normAutofit/>
+          </a:bodyPr>
+          <a:lstStyle/>
+          <a:p>
+            <a:r>
+              <a:rPr lang="en-US" dirty="0" err="1" smtClean="0"/>
+              <a:t>sbt</a:t>
+            </a:r>
+            <a:r>
+              <a:rPr lang="en-US" dirty="0" smtClean="0"/>
+              <a:t>-assembly &amp; fat JARs</a:t>
+            </a:r>
+          </a:p>
+          <a:p>
+            <a:pPr lvl="1"/>
+            <a:r>
+              <a:rPr lang="en-US" dirty="0" smtClean="0"/>
+              <a:t>Creating a fat JAR when your project has many dependencies can be an issue</a:t>
+            </a:r>
+          </a:p>
+          <a:p>
+            <a:pPr lvl="2"/>
+            <a:r>
+              <a:rPr lang="en-US" dirty="0" smtClean="0"/>
+              <a:t>Dependencies can have configuration files or directories (META-INF) which have to be merged</a:t>
+            </a:r>
+          </a:p>
+          <a:p>
+            <a:pPr lvl="2"/>
+            <a:r>
+              <a:rPr lang="en-US" dirty="0" smtClean="0"/>
+              <a:t>Dependencies can depend on different versions of a particular dependency</a:t>
+            </a:r>
+            <a:endParaRPr lang="en-US" dirty="0"/>
+          </a:p>
+          <a:p>
+            <a:pPr lvl="1"/>
+            <a:r>
+              <a:rPr lang="en-US" dirty="0" smtClean="0"/>
+              <a:t>Solutions:</a:t>
+            </a:r>
+          </a:p>
+          <a:p>
+            <a:pPr lvl="2"/>
+            <a:r>
+              <a:rPr lang="en-US" dirty="0" smtClean="0"/>
+              <a:t>Specify a merge strategy to deal with merging META-INF, </a:t>
+            </a:r>
+            <a:r>
+              <a:rPr lang="en-US" dirty="0" err="1" smtClean="0"/>
+              <a:t>config</a:t>
+            </a:r>
+            <a:r>
+              <a:rPr lang="en-US" dirty="0" smtClean="0"/>
+              <a:t> files, etc.</a:t>
+            </a:r>
+          </a:p>
+          <a:p>
+            <a:pPr lvl="3"/>
+            <a:r>
+              <a:rPr lang="en-US" dirty="0" smtClean="0"/>
+              <a:t>Example</a:t>
+            </a:r>
+            <a:r>
+              <a:rPr lang="en-US" dirty="0"/>
+              <a:t>: </a:t>
+            </a:r>
+            <a:r>
+              <a:rPr lang="en-US" dirty="0">
+                <a:hlinkClick r:id="rId2"/>
+              </a:rPr>
+              <a:t>https://</a:t>
+            </a:r>
+            <a:r>
+              <a:rPr lang="en-US" dirty="0" smtClean="0">
+                <a:hlinkClick r:id="rId2"/>
+              </a:rPr>
+              <a:t>coderwall.com/p/6gr84q/sbt-assembly-spark-and-you</a:t>
+            </a:r>
+            <a:endParaRPr lang="en-US" dirty="0" smtClean="0"/>
+          </a:p>
+          <a:p>
+            <a:pPr lvl="2"/>
+            <a:r>
+              <a:rPr lang="en-US" dirty="0" smtClean="0"/>
+              <a:t>Use shading to overcome different versions of the same dependency</a:t>
+            </a:r>
+          </a:p>
+          <a:p>
+            <a:pPr lvl="3"/>
+            <a:r>
+              <a:rPr lang="en-US" dirty="0"/>
+              <a:t> Example: </a:t>
+            </a:r>
+            <a:r>
+              <a:rPr lang="en-US" dirty="0">
+                <a:hlinkClick r:id="rId3"/>
+              </a:rPr>
+              <a:t>https://</a:t>
+            </a:r>
+            <a:r>
+              <a:rPr lang="en-US" dirty="0" smtClean="0">
+                <a:hlinkClick r:id="rId3"/>
+              </a:rPr>
+              <a:t>stackoverflow.com/questions/45989052/sbt-assembly-shading-to-create-fat-jar-to-run-on-spark</a:t>
+            </a:r>
+            <a:r>
+              <a:rPr lang="en-US" dirty="0" smtClean="0"/>
+              <a:t> </a:t>
+            </a:r>
+          </a:p>
+          <a:p>
+            <a:pPr lvl="2"/>
+            <a:r>
+              <a:rPr lang="en-US" dirty="0" smtClean="0"/>
+              <a:t>Alternative but not recommended: copy the individual JAR files of your dependencies to each of the workers so that you do not have to build a fat JAR</a:t>
+            </a:r>
+            <a:endParaRPr lang="en-US" dirty="0"/>
+          </a:p>
+          <a:p>
+            <a:pPr lvl="1"/>
+            <a:endParaRPr lang="en-US" dirty="0"/>
           </a:p>
         </p:txBody>
       </p:sp>
     </p:spTree>
     <p:extLst>
       <p:ext uri="{BB962C8B-B14F-4D97-AF65-F5344CB8AC3E}">
-        <p14:creationId xmlns:p14="http://schemas.microsoft.com/office/powerpoint/2010/main" val="4027043143"/>
+        <p14:creationId xmlns:p14="http://schemas.microsoft.com/office/powerpoint/2010/main" val="666243684"/>
       </p:ext>
     </p:extLst>
   </p:cSld>
   <p:clrMapOvr>
     <a:masterClrMapping/>
   </p:clrMapOvr>
+  <p:timing>
+    <p:tnLst>
+      <p:par>
+        <p:cTn id="1" dur="indefinite" restart="never" nodeType="tmRoot"/>
+      </p:par>
+    </p:tnLst>
+  </p:timing>
 </p:sld>
 </file>
 
@@ -5370,7 +5522,7 @@
           <a:p>
             <a:r>
               <a:rPr lang="en-US" dirty="0" smtClean="0"/>
-              <a:t>Requirements for Spark-related projects</a:t>
+              <a:t>(Spark) Project Goals</a:t>
             </a:r>
             <a:endParaRPr lang="en-US" dirty="0"/>
           </a:p>
@@ -5389,75 +5541,115 @@
         <p:spPr/>
         <p:txBody>
           <a:bodyPr>
-            <a:normAutofit lnSpcReduction="10000"/>
+            <a:normAutofit fontScale="92500" lnSpcReduction="20000"/>
           </a:bodyPr>
           <a:lstStyle/>
           <a:p>
             <a:r>
               <a:rPr lang="en-US" dirty="0" smtClean="0"/>
-              <a:t>Your algorithm processes offline batch data and online streaming data</a:t>
-            </a:r>
-          </a:p>
-          <a:p>
-            <a:r>
-              <a:rPr lang="en-US" dirty="0" smtClean="0"/>
-              <a:t>Distributed computations are a must</a:t>
-            </a:r>
-          </a:p>
-          <a:p>
-            <a:pPr lvl="1"/>
-            <a:r>
-              <a:rPr lang="en-US" dirty="0" smtClean="0"/>
-              <a:t>Minimum: you have to demonstrate that your workers are all performing useful work</a:t>
-            </a:r>
-          </a:p>
-          <a:p>
-            <a:pPr lvl="1"/>
-            <a:r>
-              <a:rPr lang="en-US" dirty="0" smtClean="0"/>
-              <a:t>Better: more than one worker</a:t>
-            </a:r>
-          </a:p>
-          <a:p>
-            <a:pPr lvl="1"/>
-            <a:r>
-              <a:rPr lang="en-US" dirty="0" smtClean="0"/>
-              <a:t>Best: more than one worker, on different machines (either VM’s, physical machines, or in the cloud)</a:t>
-            </a:r>
-          </a:p>
-          <a:p>
-            <a:r>
-              <a:rPr lang="en-US" dirty="0" smtClean="0"/>
-              <a:t>Deployment</a:t>
-            </a:r>
-          </a:p>
-          <a:p>
-            <a:pPr lvl="1"/>
-            <a:r>
-              <a:rPr lang="en-US" dirty="0" smtClean="0"/>
-              <a:t>Minimum: deploy as standalone with as many workers as you have CPU cores</a:t>
+              <a:t>Deadlines: </a:t>
+            </a:r>
+            <a:r>
+              <a:rPr lang="en-US" u="sng" dirty="0" smtClean="0"/>
+              <a:t>Create Pull Request on Wednesday before the deadline at 12:00 </a:t>
+            </a:r>
+          </a:p>
+          <a:p>
+            <a:r>
+              <a:rPr lang="en-US" dirty="0" smtClean="0"/>
+              <a:t>Parallelize a non-trivial algorithm </a:t>
+            </a:r>
+          </a:p>
+          <a:p>
+            <a:pPr lvl="1"/>
+            <a:r>
+              <a:rPr lang="en-US" dirty="0" smtClean="0"/>
+              <a:t>Your </a:t>
+            </a:r>
+            <a:r>
+              <a:rPr lang="en-US" dirty="0" smtClean="0"/>
+              <a:t>algorithm processes offline batch data and online streaming </a:t>
+            </a:r>
+            <a:r>
+              <a:rPr lang="en-US" dirty="0" smtClean="0"/>
+              <a:t>data</a:t>
+            </a:r>
+          </a:p>
+          <a:p>
+            <a:pPr lvl="2"/>
+            <a:r>
+              <a:rPr lang="en-US" dirty="0" smtClean="0"/>
+              <a:t>Ideally the same type of algorithm is used for offline/online</a:t>
+            </a:r>
+          </a:p>
+          <a:p>
+            <a:pPr lvl="1"/>
+            <a:r>
+              <a:rPr lang="en-US" dirty="0" smtClean="0"/>
+              <a:t>Example of a trivial algorithm: word count. Demonstrate some complexity</a:t>
+            </a:r>
+          </a:p>
+          <a:p>
+            <a:r>
+              <a:rPr lang="en-US" dirty="0" smtClean="0"/>
+              <a:t>Architecture</a:t>
+            </a:r>
+          </a:p>
+          <a:p>
+            <a:pPr lvl="1"/>
+            <a:r>
+              <a:rPr lang="en-US" dirty="0" smtClean="0"/>
+              <a:t>Data Source &amp; Sink (database /  distributed file systems)</a:t>
+            </a:r>
+          </a:p>
+          <a:p>
+            <a:pPr lvl="1"/>
+            <a:r>
+              <a:rPr lang="en-US" dirty="0" smtClean="0"/>
+              <a:t>Message Queue (streaming data)</a:t>
+            </a:r>
+          </a:p>
+          <a:p>
+            <a:pPr lvl="1"/>
+            <a:r>
+              <a:rPr lang="en-US" dirty="0" err="1" smtClean="0"/>
+              <a:t>MapReduce</a:t>
+            </a:r>
+            <a:r>
+              <a:rPr lang="en-US" dirty="0" smtClean="0"/>
+              <a:t> framework (e.g. Spark)</a:t>
             </a:r>
             <a:endParaRPr lang="en-US" dirty="0"/>
           </a:p>
           <a:p>
-            <a:pPr lvl="1"/>
-            <a:r>
-              <a:rPr lang="en-US" dirty="0" smtClean="0"/>
-              <a:t>Better: deploy on cluster using deploy-mode client</a:t>
-            </a:r>
-          </a:p>
-          <a:p>
-            <a:pPr lvl="1"/>
-            <a:r>
-              <a:rPr lang="en-US" dirty="0" smtClean="0"/>
-              <a:t>Best: deploy on cluster using deploy-mode cluster</a:t>
-            </a:r>
-          </a:p>
-          <a:p>
-            <a:r>
-              <a:rPr lang="en-US" dirty="0" smtClean="0"/>
-              <a:t>We will also look at the code you write </a:t>
-            </a:r>
+            <a:r>
+              <a:rPr lang="en-US" dirty="0" smtClean="0"/>
+              <a:t>Excellent projects</a:t>
+            </a:r>
+          </a:p>
+          <a:p>
+            <a:pPr lvl="1"/>
+            <a:r>
+              <a:rPr lang="en-US" dirty="0" smtClean="0"/>
+              <a:t>All components of your architecture are distributed (running on different VM’s, nodes, machines) </a:t>
+            </a:r>
+          </a:p>
+          <a:p>
+            <a:r>
+              <a:rPr lang="en-US" dirty="0" smtClean="0"/>
+              <a:t>Demo </a:t>
+            </a:r>
+            <a:r>
+              <a:rPr lang="en-NL" dirty="0" smtClean="0">
+                <a:sym typeface="Wingdings" panose="05000000000000000000" pitchFamily="2" charset="2"/>
+              </a:rPr>
+              <a:t></a:t>
+            </a:r>
+            <a:r>
+              <a:rPr lang="en-US" dirty="0" smtClean="0"/>
+              <a:t> you should be able to visualize how work is parallelized, e.g. via the Spark UI</a:t>
+            </a:r>
+            <a:endParaRPr lang="en-US" dirty="0" smtClean="0"/>
           </a:p>
         </p:txBody>
       </p:sp>
@@ -5471,6 +5663,13 @@
   <p:clrMapOvr>
     <a:masterClrMapping/>
   </p:clrMapOvr>
+  <p:timing>
+    <p:tnLst>
+      <p:par>
+        <p:cTn id="1" dur="indefinite" restart="never" nodeType="tmRoot"/>
+      </p:par>
+    </p:tnLst>
+  </p:timing>
 </p:sld>
 </file>
 
@@ -5698,6 +5897,285 @@
           <a:lstStyle/>
           <a:p>
             <a:r>
+              <a:rPr lang="en-GB" dirty="0" smtClean="0"/>
+              <a:t>Resources</a:t>
+            </a:r>
+            <a:endParaRPr lang="en-US" dirty="0"/>
+          </a:p>
+        </p:txBody>
+      </p:sp>
+      <p:sp>
+        <p:nvSpPr>
+          <p:cNvPr id="3" name="Content Placeholder 2"/>
+          <p:cNvSpPr>
+            <a:spLocks noGrp="1"/>
+          </p:cNvSpPr>
+          <p:nvPr>
+            <p:ph idx="1"/>
+          </p:nvPr>
+        </p:nvSpPr>
+        <p:spPr/>
+        <p:txBody>
+          <a:bodyPr>
+            <a:normAutofit fontScale="92500" lnSpcReduction="20000"/>
+          </a:bodyPr>
+          <a:lstStyle/>
+          <a:p>
+            <a:r>
+              <a:rPr lang="en-GB" dirty="0" smtClean="0"/>
+              <a:t>RDD vs </a:t>
+            </a:r>
+            <a:r>
+              <a:rPr lang="en-GB" dirty="0" err="1" smtClean="0"/>
+              <a:t>DataFrame</a:t>
+            </a:r>
+            <a:r>
+              <a:rPr lang="en-GB" dirty="0" smtClean="0"/>
+              <a:t> vs </a:t>
+            </a:r>
+            <a:r>
+              <a:rPr lang="en-GB" dirty="0" err="1" smtClean="0"/>
+              <a:t>DataSet</a:t>
+            </a:r>
+            <a:r>
+              <a:rPr lang="en-GB" dirty="0"/>
+              <a:t>: </a:t>
+            </a:r>
+            <a:r>
+              <a:rPr lang="en-GB" dirty="0">
+                <a:hlinkClick r:id="rId2"/>
+              </a:rPr>
+              <a:t>http://</a:t>
+            </a:r>
+            <a:r>
+              <a:rPr lang="en-GB" dirty="0" smtClean="0">
+                <a:hlinkClick r:id="rId2"/>
+              </a:rPr>
+              <a:t>why-not-learn-something.blogspot.nl/2016/07/apache-spark-rdd-vs-dataframe-vs-dataset.html</a:t>
+            </a:r>
+            <a:r>
+              <a:rPr lang="en-GB" dirty="0" smtClean="0"/>
+              <a:t> </a:t>
+            </a:r>
+            <a:endParaRPr lang="en-GB" dirty="0"/>
+          </a:p>
+          <a:p>
+            <a:r>
+              <a:rPr lang="en-GB" dirty="0" smtClean="0"/>
+              <a:t>Common </a:t>
+            </a:r>
+            <a:r>
+              <a:rPr lang="en-GB" dirty="0"/>
+              <a:t>mistakes: </a:t>
+            </a:r>
+            <a:r>
+              <a:rPr lang="en-GB" dirty="0">
+                <a:hlinkClick r:id="rId3"/>
+              </a:rPr>
+              <a:t>https://</a:t>
+            </a:r>
+            <a:r>
+              <a:rPr lang="en-GB" dirty="0" smtClean="0">
+                <a:hlinkClick r:id="rId3"/>
+              </a:rPr>
+              <a:t>www.slideshare.net/cloudera/top-5-mistakes-to-avoid-when-writing-apache-spark-applications</a:t>
+            </a:r>
+            <a:r>
+              <a:rPr lang="en-GB" dirty="0" smtClean="0"/>
+              <a:t> </a:t>
+            </a:r>
+          </a:p>
+          <a:p>
+            <a:r>
+              <a:rPr lang="en-GB" dirty="0"/>
+              <a:t>Spark Streaming: </a:t>
+            </a:r>
+            <a:r>
+              <a:rPr lang="en-GB" dirty="0">
+                <a:hlinkClick r:id="rId4"/>
+              </a:rPr>
+              <a:t>https://</a:t>
+            </a:r>
+            <a:r>
+              <a:rPr lang="en-GB" dirty="0" smtClean="0">
+                <a:hlinkClick r:id="rId4"/>
+              </a:rPr>
+              <a:t>www.slideshare.net/prakash573/spark-streaming-best-practices</a:t>
+            </a:r>
+            <a:r>
+              <a:rPr lang="en-GB" dirty="0" smtClean="0"/>
+              <a:t> </a:t>
+            </a:r>
+          </a:p>
+          <a:p>
+            <a:r>
+              <a:rPr lang="en-GB" dirty="0"/>
+              <a:t>Git tutorial: </a:t>
+            </a:r>
+            <a:r>
+              <a:rPr lang="en-GB" dirty="0">
+                <a:hlinkClick r:id="rId5"/>
+              </a:rPr>
+              <a:t>https://</a:t>
+            </a:r>
+            <a:r>
+              <a:rPr lang="en-GB" dirty="0" smtClean="0">
+                <a:hlinkClick r:id="rId5"/>
+              </a:rPr>
+              <a:t>try.github.io/levels/1/challenges/1</a:t>
+            </a:r>
+            <a:r>
+              <a:rPr lang="en-GB" dirty="0" smtClean="0"/>
+              <a:t> </a:t>
+            </a:r>
+            <a:endParaRPr lang="en-GB" dirty="0" smtClean="0"/>
+          </a:p>
+          <a:p>
+            <a:r>
+              <a:rPr lang="en-GB" dirty="0" smtClean="0"/>
+              <a:t>Spark Cluster Deployment (outdated </a:t>
+            </a:r>
+            <a:r>
+              <a:rPr lang="en-GB" dirty="0"/>
+              <a:t>but useful): </a:t>
+            </a:r>
+            <a:r>
+              <a:rPr lang="en-GB" dirty="0">
+                <a:hlinkClick r:id="rId6"/>
+              </a:rPr>
+              <a:t>http://mkuthan.github.io/blog/2016/03/11/spark-application-assembly</a:t>
+            </a:r>
+            <a:r>
+              <a:rPr lang="en-GB" dirty="0" smtClean="0">
+                <a:hlinkClick r:id="rId6"/>
+              </a:rPr>
+              <a:t>/</a:t>
+            </a:r>
+            <a:r>
+              <a:rPr lang="en-GB" dirty="0" smtClean="0"/>
+              <a:t> </a:t>
+            </a:r>
+          </a:p>
+          <a:p>
+            <a:r>
+              <a:rPr lang="en-US" b="1" dirty="0"/>
+              <a:t>Mining of Massive Datasets</a:t>
+            </a:r>
+            <a:r>
+              <a:rPr lang="en-US" dirty="0"/>
+              <a:t>, Jure </a:t>
+            </a:r>
+            <a:r>
+              <a:rPr lang="en-US" dirty="0" err="1"/>
+              <a:t>Leskovec</a:t>
+            </a:r>
+            <a:r>
+              <a:rPr lang="en-US" dirty="0"/>
+              <a:t>, </a:t>
+            </a:r>
+            <a:r>
+              <a:rPr lang="en-US" dirty="0" err="1"/>
+              <a:t>Anand</a:t>
+            </a:r>
+            <a:r>
+              <a:rPr lang="en-US" dirty="0"/>
+              <a:t> </a:t>
+            </a:r>
+            <a:r>
+              <a:rPr lang="en-US" dirty="0" err="1"/>
+              <a:t>Rajaraman</a:t>
+            </a:r>
+            <a:r>
+              <a:rPr lang="en-US" dirty="0"/>
+              <a:t>, Jeff Ullman, available for free at </a:t>
+            </a:r>
+            <a:r>
+              <a:rPr lang="en-US" u="sng" dirty="0">
+                <a:hlinkClick r:id="rId7"/>
+              </a:rPr>
+              <a:t>http://www.mmds.org/</a:t>
+            </a:r>
+            <a:endParaRPr lang="en-US" dirty="0"/>
+          </a:p>
+          <a:p>
+            <a:r>
+              <a:rPr lang="en-US" b="1" dirty="0"/>
+              <a:t>Data-Intensive Text Processing with </a:t>
+            </a:r>
+            <a:r>
+              <a:rPr lang="en-US" b="1" dirty="0" err="1"/>
+              <a:t>MapReduce</a:t>
+            </a:r>
+            <a:r>
+              <a:rPr lang="en-US" dirty="0"/>
+              <a:t>, Jimmy Lin and Chris Dyer, available for free at </a:t>
+            </a:r>
+            <a:r>
+              <a:rPr lang="en-US" u="sng" dirty="0">
+                <a:hlinkClick r:id="rId8"/>
+              </a:rPr>
+              <a:t>http://lintool.github.io/MapReduceAlgorithms/</a:t>
+            </a:r>
+            <a:endParaRPr lang="en-US" dirty="0"/>
+          </a:p>
+          <a:p>
+            <a:endParaRPr lang="en-US" dirty="0"/>
+          </a:p>
+        </p:txBody>
+      </p:sp>
+    </p:spTree>
+    <p:extLst>
+      <p:ext uri="{BB962C8B-B14F-4D97-AF65-F5344CB8AC3E}">
+        <p14:creationId xmlns:p14="http://schemas.microsoft.com/office/powerpoint/2010/main" val="708177791"/>
+      </p:ext>
+    </p:extLst>
+  </p:cSld>
+  <p:clrMapOvr>
+    <a:masterClrMapping/>
+  </p:clrMapOvr>
+  <p:timing>
+    <p:tnLst>
+      <p:par>
+        <p:cTn id="1" dur="indefinite" restart="never" nodeType="tmRoot"/>
+      </p:par>
+    </p:tnLst>
+  </p:timing>
+</p:sld>
+</file>
+
+<file path=ppt/slides/slide21.xml><?xml version="1.0" encoding="utf-8"?>
+<p:sld xmlns:a="http://schemas.openxmlformats.org/drawingml/2006/main" xmlns:r="http://schemas.openxmlformats.org/officeDocument/2006/relationships" xmlns:p="http://schemas.openxmlformats.org/presentationml/2006/main">
+  <p:cSld>
+    <p:spTree>
+      <p:nvGrpSpPr>
+        <p:cNvPr id="1" name=""/>
+        <p:cNvGrpSpPr/>
+        <p:nvPr/>
+      </p:nvGrpSpPr>
+      <p:grpSpPr>
+        <a:xfrm>
+          <a:off x="0" y="0"/>
+          <a:ext cx="0" cy="0"/>
+          <a:chOff x="0" y="0"/>
+          <a:chExt cx="0" cy="0"/>
+        </a:xfrm>
+      </p:grpSpPr>
+      <p:sp>
+        <p:nvSpPr>
+          <p:cNvPr id="2" name="Title 1"/>
+          <p:cNvSpPr>
+            <a:spLocks noGrp="1"/>
+          </p:cNvSpPr>
+          <p:nvPr>
+            <p:ph type="title"/>
+          </p:nvPr>
+        </p:nvSpPr>
+        <p:spPr/>
+        <p:txBody>
+          <a:bodyPr/>
+          <a:lstStyle/>
+          <a:p>
+            <a:r>
               <a:rPr lang="en-US" dirty="0" smtClean="0"/>
               <a:t>Questions?</a:t>
             </a:r>
@@ -5748,6 +6226,13 @@
   <p:clrMapOvr>
     <a:masterClrMapping/>
   </p:clrMapOvr>
+  <p:timing>
+    <p:tnLst>
+      <p:par>
+        <p:cTn id="1" dur="indefinite" restart="never" nodeType="tmRoot"/>
+      </p:par>
+    </p:tnLst>
+  </p:timing>
 </p:sld>
 </file>
 
@@ -5808,11 +6293,25 @@
           <a:p>
             <a:r>
               <a:rPr lang="en-US" dirty="0" smtClean="0"/>
-              <a:t>Worker and Slave are used interchangeably in </a:t>
-            </a:r>
-            <a:r>
-              <a:rPr lang="en-US" smtClean="0"/>
-              <a:t>these slides</a:t>
+              <a:t>Worker and Slave are used interchangeably in these </a:t>
+            </a:r>
+            <a:r>
+              <a:rPr lang="en-US" dirty="0" smtClean="0"/>
+              <a:t>slides</a:t>
+            </a:r>
+          </a:p>
+          <a:p>
+            <a:r>
+              <a:rPr lang="en-US" dirty="0" smtClean="0"/>
+              <a:t>Spark/</a:t>
+            </a:r>
+            <a:r>
+              <a:rPr lang="en-US" dirty="0" err="1" smtClean="0"/>
+              <a:t>MapReduce</a:t>
+            </a:r>
+            <a:r>
+              <a:rPr lang="en-US" dirty="0" smtClean="0"/>
+              <a:t> details will be covered during lectures</a:t>
             </a:r>
             <a:endParaRPr lang="en-US" dirty="0"/>
           </a:p>
@@ -5869,6 +6368,13 @@
   <p:clrMapOvr>
     <a:masterClrMapping/>
   </p:clrMapOvr>
+  <p:timing>
+    <p:tnLst>
+      <p:par>
+        <p:cTn id="1" dur="indefinite" restart="never" nodeType="tmRoot"/>
+      </p:par>
+    </p:tnLst>
+  </p:timing>
 </p:sld>
 </file>
 
@@ -5968,12 +6474,20 @@
           <a:p>
             <a:pPr lvl="2"/>
             <a:r>
-              <a:rPr lang="en-US" u="sng" dirty="0" smtClean="0"/>
-              <a:t>Your program is expected to run on a cluster for the final demo</a:t>
-            </a:r>
-            <a:r>
-              <a:rPr lang="en-US" dirty="0" smtClean="0"/>
-              <a:t>, preferably using </a:t>
+              <a:rPr lang="en-US" dirty="0" smtClean="0"/>
+              <a:t>We would like to see a cluster deployment during the demo</a:t>
+            </a:r>
+            <a:endParaRPr lang="en-US" dirty="0" smtClean="0"/>
+          </a:p>
+          <a:p>
+            <a:pPr lvl="3"/>
+            <a:r>
+              <a:rPr lang="en-US" dirty="0" smtClean="0"/>
+              <a:t>Preferably </a:t>
+            </a:r>
+            <a:r>
+              <a:rPr lang="en-US" dirty="0" smtClean="0"/>
+              <a:t>using </a:t>
             </a:r>
             <a:r>
               <a:rPr lang="en-NL" dirty="0" smtClean="0"/>
@@ -6315,6 +6829,13 @@
   <p:clrMapOvr>
     <a:masterClrMapping/>
   </p:clrMapOvr>
+  <p:timing>
+    <p:tnLst>
+      <p:par>
+        <p:cTn id="1" dur="indefinite" restart="never" nodeType="tmRoot"/>
+      </p:par>
+    </p:tnLst>
+  </p:timing>
 </p:sld>
 </file>
 
@@ -6509,7 +7030,7 @@
         <p:spPr/>
         <p:txBody>
           <a:bodyPr>
-            <a:normAutofit lnSpcReduction="10000"/>
+            <a:normAutofit fontScale="92500" lnSpcReduction="10000"/>
           </a:bodyPr>
           <a:lstStyle/>
           <a:p>
@@ -6619,15 +7140,51 @@
           <a:p>
             <a:r>
               <a:rPr lang="en-US" dirty="0" smtClean="0"/>
-              <a:t>Download Spark</a:t>
-            </a:r>
-          </a:p>
-          <a:p>
-            <a:pPr lvl="1"/>
-            <a:r>
-              <a:rPr lang="en-US" dirty="0" smtClean="0"/>
-              <a:t>Set the SPARK_HOME environment variable</a:t>
-            </a:r>
+              <a:t>Download </a:t>
+            </a:r>
+            <a:r>
+              <a:rPr lang="en-US" dirty="0" smtClean="0"/>
+              <a:t>Spark</a:t>
+            </a:r>
+          </a:p>
+          <a:p>
+            <a:pPr lvl="1"/>
+            <a:r>
+              <a:rPr lang="en-US" dirty="0">
+                <a:hlinkClick r:id="rId5"/>
+              </a:rPr>
+              <a:t>http://</a:t>
+            </a:r>
+            <a:r>
+              <a:rPr lang="en-US" dirty="0" smtClean="0">
+                <a:hlinkClick r:id="rId5"/>
+              </a:rPr>
+              <a:t>spark.apache.org/downloads.html</a:t>
+            </a:r>
+            <a:r>
+              <a:rPr lang="en-US" dirty="0" smtClean="0"/>
+              <a:t> </a:t>
+            </a:r>
+            <a:endParaRPr lang="en-US" dirty="0" smtClean="0"/>
+          </a:p>
+          <a:p>
+            <a:pPr lvl="1"/>
+            <a:r>
+              <a:rPr lang="en-US" dirty="0" smtClean="0"/>
+              <a:t>Set the SPARK_HOME environment </a:t>
+            </a:r>
+            <a:r>
+              <a:rPr lang="en-US" dirty="0" smtClean="0"/>
+              <a:t>variable</a:t>
+            </a:r>
+          </a:p>
+          <a:p>
+            <a:pPr lvl="1"/>
+            <a:r>
+              <a:rPr lang="en-US" dirty="0" smtClean="0"/>
+              <a:t>You will need the scripts in the bin folder for submitting to the cluster</a:t>
+            </a:r>
+            <a:endParaRPr lang="en-US" dirty="0" smtClean="0"/>
           </a:p>
         </p:txBody>
       </p:sp>
@@ -6875,6 +7432,13 @@
   <p:clrMapOvr>
     <a:masterClrMapping/>
   </p:clrMapOvr>
+  <p:timing>
+    <p:tnLst>
+      <p:par>
+        <p:cTn id="1" dur="indefinite" restart="never" nodeType="tmRoot"/>
+      </p:par>
+    </p:tnLst>
+  </p:timing>
 </p:sld>
 </file>
 
@@ -7069,6 +7633,13 @@
   <p:clrMapOvr>
     <a:masterClrMapping/>
   </p:clrMapOvr>
+  <p:timing>
+    <p:tnLst>
+      <p:par>
+        <p:cTn id="1" dur="indefinite" restart="never" nodeType="tmRoot"/>
+      </p:par>
+    </p:tnLst>
+  </p:timing>
 </p:sld>
 </file>
 
